--- a/OldAndBald.pptx
+++ b/OldAndBald.pptx
@@ -20,30 +20,30 @@
   <p:notesSz cx="6858000" cy="9144000"/>
   <p:embeddedFontLst>
     <p:embeddedFont>
-      <p:font typeface="Calibri" panose="020F0502020204030204" pitchFamily="34" charset="0"/>
+      <p:font typeface="Barlow Light" panose="020B0604020202020204" charset="0"/>
       <p:regular r:id="rId10"/>
       <p:bold r:id="rId11"/>
       <p:italic r:id="rId12"/>
       <p:boldItalic r:id="rId13"/>
     </p:embeddedFont>
     <p:embeddedFont>
-      <p:font typeface="Barlow Light" panose="020B0604020202020204" charset="0"/>
+      <p:font typeface="Barlow" panose="020B0604020202020204" charset="0"/>
       <p:regular r:id="rId14"/>
       <p:bold r:id="rId15"/>
       <p:italic r:id="rId16"/>
       <p:boldItalic r:id="rId17"/>
     </p:embeddedFont>
     <p:embeddedFont>
-      <p:font typeface="Miriam Libre" panose="020B0604020202020204" charset="-79"/>
+      <p:font typeface="Calibri" panose="020F0502020204030204" pitchFamily="34" charset="0"/>
       <p:regular r:id="rId18"/>
       <p:bold r:id="rId19"/>
+      <p:italic r:id="rId20"/>
+      <p:boldItalic r:id="rId21"/>
     </p:embeddedFont>
     <p:embeddedFont>
-      <p:font typeface="Barlow" panose="020B0604020202020204" charset="0"/>
-      <p:regular r:id="rId20"/>
-      <p:bold r:id="rId21"/>
-      <p:italic r:id="rId22"/>
-      <p:boldItalic r:id="rId23"/>
+      <p:font typeface="Miriam Libre" panose="020B0604020202020204" charset="-79"/>
+      <p:regular r:id="rId22"/>
+      <p:bold r:id="rId23"/>
     </p:embeddedFont>
   </p:embeddedFontLst>
   <p:defaultTextStyle>
@@ -275,6 +275,11 @@
       </a:defRPr>
     </a:lvl9pPr>
   </p:defaultTextStyle>
+  <p:extLst>
+    <p:ext uri="{EFAFB233-063F-42B5-8137-9DF3F51BA10A}">
+      <p15:sldGuideLst xmlns:p15="http://schemas.microsoft.com/office/powerpoint/2012/main"/>
+    </p:ext>
+  </p:extLst>
 </p:presentation>
 </file>
 
@@ -17611,7 +17616,7 @@
         </p:nvSpPr>
         <p:spPr>
           <a:xfrm>
-            <a:off x="2122525" y="1991825"/>
+            <a:off x="2005482" y="1224772"/>
             <a:ext cx="4899000" cy="1159800"/>
           </a:xfrm>
           <a:prstGeom prst="rect">
@@ -17683,7 +17688,7 @@
         </p:nvSpPr>
         <p:spPr>
           <a:xfrm>
-            <a:off x="3488657" y="2958648"/>
+            <a:off x="3313091" y="2050284"/>
             <a:ext cx="2869695" cy="461665"/>
           </a:xfrm>
           <a:prstGeom prst="rect">
@@ -17761,6 +17766,36 @@
           </a:p>
         </p:txBody>
       </p:sp>
+      <p:pic>
+        <p:nvPicPr>
+          <p:cNvPr id="2" name="Picture 1"/>
+          <p:cNvPicPr>
+            <a:picLocks noChangeAspect="1"/>
+          </p:cNvPicPr>
+          <p:nvPr/>
+        </p:nvPicPr>
+        <p:blipFill>
+          <a:blip r:embed="rId3">
+            <a:extLst>
+              <a:ext uri="{28A0092B-C50C-407E-A947-70E740481C1C}">
+                <a14:useLocalDpi xmlns:a14="http://schemas.microsoft.com/office/drawing/2010/main" val="0"/>
+              </a:ext>
+            </a:extLst>
+          </a:blip>
+          <a:stretch>
+            <a:fillRect/>
+          </a:stretch>
+        </p:blipFill>
+        <p:spPr>
+          <a:xfrm>
+            <a:off x="3634211" y="2519264"/>
+            <a:ext cx="2227454" cy="2227454"/>
+          </a:xfrm>
+          <a:prstGeom prst="rect">
+            <a:avLst/>
+          </a:prstGeom>
+        </p:spPr>
+      </p:pic>
     </p:spTree>
   </p:cSld>
   <p:clrMapOvr>
@@ -17905,17 +17940,7 @@
                   </a:schemeClr>
                 </a:solidFill>
               </a:rPr>
-              <a:t>How does it work</a:t>
-            </a:r>
-            <a:r>
-              <a:rPr lang="en-US" dirty="0" smtClean="0">
-                <a:solidFill>
-                  <a:schemeClr val="accent5">
-                    <a:lumMod val="75000"/>
-                  </a:schemeClr>
-                </a:solidFill>
-              </a:rPr>
-              <a:t> ?</a:t>
+              <a:t>How does it work ?</a:t>
             </a:r>
             <a:endParaRPr dirty="0">
               <a:solidFill>

--- a/OldAndBald.pptx
+++ b/OldAndBald.pptx
@@ -5,27 +5,24 @@
     <p:sldMasterId id="2147483659" r:id="rId1"/>
   </p:sldMasterIdLst>
   <p:notesMasterIdLst>
-    <p:notesMasterId r:id="rId9"/>
+    <p:notesMasterId r:id="rId13"/>
   </p:notesMasterIdLst>
   <p:sldIdLst>
     <p:sldId id="256" r:id="rId2"/>
     <p:sldId id="257" r:id="rId3"/>
     <p:sldId id="259" r:id="rId4"/>
-    <p:sldId id="263" r:id="rId5"/>
-    <p:sldId id="285" r:id="rId6"/>
-    <p:sldId id="287" r:id="rId7"/>
-    <p:sldId id="286" r:id="rId8"/>
+    <p:sldId id="289" r:id="rId5"/>
+    <p:sldId id="290" r:id="rId6"/>
+    <p:sldId id="263" r:id="rId7"/>
+    <p:sldId id="292" r:id="rId8"/>
+    <p:sldId id="285" r:id="rId9"/>
+    <p:sldId id="288" r:id="rId10"/>
+    <p:sldId id="287" r:id="rId11"/>
+    <p:sldId id="286" r:id="rId12"/>
   </p:sldIdLst>
   <p:sldSz cx="9144000" cy="5143500" type="screen16x9"/>
   <p:notesSz cx="6858000" cy="9144000"/>
   <p:embeddedFontLst>
-    <p:embeddedFont>
-      <p:font typeface="Barlow Light" panose="020B0604020202020204" charset="0"/>
-      <p:regular r:id="rId10"/>
-      <p:bold r:id="rId11"/>
-      <p:italic r:id="rId12"/>
-      <p:boldItalic r:id="rId13"/>
-    </p:embeddedFont>
     <p:embeddedFont>
       <p:font typeface="Barlow" panose="020B0604020202020204" charset="0"/>
       <p:regular r:id="rId14"/>
@@ -41,9 +38,16 @@
       <p:boldItalic r:id="rId21"/>
     </p:embeddedFont>
     <p:embeddedFont>
-      <p:font typeface="Miriam Libre" panose="020B0604020202020204" charset="-79"/>
+      <p:font typeface="Barlow Light" panose="020B0604020202020204" charset="0"/>
       <p:regular r:id="rId22"/>
       <p:bold r:id="rId23"/>
+      <p:italic r:id="rId24"/>
+      <p:boldItalic r:id="rId25"/>
+    </p:embeddedFont>
+    <p:embeddedFont>
+      <p:font typeface="Miriam Libre" panose="020B0604020202020204" charset="-79"/>
+      <p:regular r:id="rId26"/>
+      <p:bold r:id="rId27"/>
     </p:embeddedFont>
   </p:embeddedFontLst>
   <p:defaultTextStyle>
@@ -281,6 +285,315 @@
     </p:ext>
   </p:extLst>
 </p:presentation>
+</file>
+
+<file path=ppt/changesInfos/changesInfo1.xml><?xml version="1.0" encoding="utf-8"?>
+<pc:chgInfo xmlns:a="http://schemas.openxmlformats.org/drawingml/2006/main" xmlns:r="http://schemas.openxmlformats.org/officeDocument/2006/relationships" xmlns:ac="http://schemas.microsoft.com/office/drawing/2013/main/command" xmlns:pc="http://schemas.microsoft.com/office/powerpoint/2013/main/command">
+  <pc:docChgLst>
+    <pc:chgData name="Victor Velev" userId="842741688101d7b4" providerId="Windows Live" clId="Web-{EE6267B1-20E4-4C4F-BFCB-A3E58C6AB949}"/>
+    <pc:docChg chg="addSld delSld modSld">
+      <pc:chgData name="Victor Velev" userId="842741688101d7b4" providerId="Windows Live" clId="Web-{EE6267B1-20E4-4C4F-BFCB-A3E58C6AB949}" dt="2018-03-17T23:12:47.489" v="882"/>
+      <pc:docMkLst>
+        <pc:docMk/>
+      </pc:docMkLst>
+      <pc:sldChg chg="addSp delSp modSp">
+        <pc:chgData name="Victor Velev" userId="842741688101d7b4" providerId="Windows Live" clId="Web-{EE6267B1-20E4-4C4F-BFCB-A3E58C6AB949}" dt="2018-03-17T22:18:25.275" v="86"/>
+        <pc:sldMkLst>
+          <pc:docMk/>
+          <pc:sldMk cId="0" sldId="257"/>
+        </pc:sldMkLst>
+        <pc:spChg chg="add del mod">
+          <ac:chgData name="Victor Velev" userId="842741688101d7b4" providerId="Windows Live" clId="Web-{EE6267B1-20E4-4C4F-BFCB-A3E58C6AB949}" dt="2018-03-17T22:18:25.275" v="86"/>
+          <ac:spMkLst>
+            <pc:docMk/>
+            <pc:sldMk cId="0" sldId="257"/>
+            <ac:spMk id="5" creationId="{26BAEA78-00EA-4668-9106-93A11DBAC1BD}"/>
+          </ac:spMkLst>
+        </pc:spChg>
+        <pc:spChg chg="mod">
+          <ac:chgData name="Victor Velev" userId="842741688101d7b4" providerId="Windows Live" clId="Web-{EE6267B1-20E4-4C4F-BFCB-A3E58C6AB949}" dt="2018-03-17T22:13:54.032" v="0"/>
+          <ac:spMkLst>
+            <pc:docMk/>
+            <pc:sldMk cId="0" sldId="257"/>
+            <ac:spMk id="245" creationId="{00000000-0000-0000-0000-000000000000}"/>
+          </ac:spMkLst>
+        </pc:spChg>
+        <pc:spChg chg="mod">
+          <ac:chgData name="Victor Velev" userId="842741688101d7b4" providerId="Windows Live" clId="Web-{EE6267B1-20E4-4C4F-BFCB-A3E58C6AB949}" dt="2018-03-17T22:14:33.283" v="6"/>
+          <ac:spMkLst>
+            <pc:docMk/>
+            <pc:sldMk cId="0" sldId="257"/>
+            <ac:spMk id="246" creationId="{00000000-0000-0000-0000-000000000000}"/>
+          </ac:spMkLst>
+        </pc:spChg>
+        <pc:spChg chg="mod">
+          <ac:chgData name="Victor Velev" userId="842741688101d7b4" providerId="Windows Live" clId="Web-{EE6267B1-20E4-4C4F-BFCB-A3E58C6AB949}" dt="2018-03-17T22:14:25.736" v="5"/>
+          <ac:spMkLst>
+            <pc:docMk/>
+            <pc:sldMk cId="0" sldId="257"/>
+            <ac:spMk id="247" creationId="{00000000-0000-0000-0000-000000000000}"/>
+          </ac:spMkLst>
+        </pc:spChg>
+        <pc:spChg chg="del">
+          <ac:chgData name="Victor Velev" userId="842741688101d7b4" providerId="Windows Live" clId="Web-{EE6267B1-20E4-4C4F-BFCB-A3E58C6AB949}" dt="2018-03-17T22:15:01.346" v="10"/>
+          <ac:spMkLst>
+            <pc:docMk/>
+            <pc:sldMk cId="0" sldId="257"/>
+            <ac:spMk id="248" creationId="{00000000-0000-0000-0000-000000000000}"/>
+          </ac:spMkLst>
+        </pc:spChg>
+        <pc:picChg chg="mod">
+          <ac:chgData name="Victor Velev" userId="842741688101d7b4" providerId="Windows Live" clId="Web-{EE6267B1-20E4-4C4F-BFCB-A3E58C6AB949}" dt="2018-03-17T22:14:46.362" v="9"/>
+          <ac:picMkLst>
+            <pc:docMk/>
+            <pc:sldMk cId="0" sldId="257"/>
+            <ac:picMk id="2" creationId="{00000000-0000-0000-0000-000000000000}"/>
+          </ac:picMkLst>
+        </pc:picChg>
+        <pc:picChg chg="mod">
+          <ac:chgData name="Victor Velev" userId="842741688101d7b4" providerId="Windows Live" clId="Web-{EE6267B1-20E4-4C4F-BFCB-A3E58C6AB949}" dt="2018-03-17T22:14:37.658" v="7"/>
+          <ac:picMkLst>
+            <pc:docMk/>
+            <pc:sldMk cId="0" sldId="257"/>
+            <ac:picMk id="3" creationId="{00000000-0000-0000-0000-000000000000}"/>
+          </ac:picMkLst>
+        </pc:picChg>
+      </pc:sldChg>
+      <pc:sldChg chg="addSp modSp">
+        <pc:chgData name="Victor Velev" userId="842741688101d7b4" providerId="Windows Live" clId="Web-{EE6267B1-20E4-4C4F-BFCB-A3E58C6AB949}" dt="2018-03-17T23:01:29.764" v="741"/>
+        <pc:sldMkLst>
+          <pc:docMk/>
+          <pc:sldMk cId="0" sldId="259"/>
+        </pc:sldMkLst>
+        <pc:spChg chg="mod">
+          <ac:chgData name="Victor Velev" userId="842741688101d7b4" providerId="Windows Live" clId="Web-{EE6267B1-20E4-4C4F-BFCB-A3E58C6AB949}" dt="2018-03-17T22:15:59.130" v="22"/>
+          <ac:spMkLst>
+            <pc:docMk/>
+            <pc:sldMk cId="0" sldId="259"/>
+            <ac:spMk id="261" creationId="{00000000-0000-0000-0000-000000000000}"/>
+          </ac:spMkLst>
+        </pc:spChg>
+        <pc:picChg chg="add mod">
+          <ac:chgData name="Victor Velev" userId="842741688101d7b4" providerId="Windows Live" clId="Web-{EE6267B1-20E4-4C4F-BFCB-A3E58C6AB949}" dt="2018-03-17T22:15:46.317" v="19"/>
+          <ac:picMkLst>
+            <pc:docMk/>
+            <pc:sldMk cId="0" sldId="259"/>
+            <ac:picMk id="2" creationId="{EBD5E883-F705-4B89-8416-AB1A93729804}"/>
+          </ac:picMkLst>
+        </pc:picChg>
+        <pc:picChg chg="mod">
+          <ac:chgData name="Victor Velev" userId="842741688101d7b4" providerId="Windows Live" clId="Web-{EE6267B1-20E4-4C4F-BFCB-A3E58C6AB949}" dt="2018-03-17T23:01:29.764" v="741"/>
+          <ac:picMkLst>
+            <pc:docMk/>
+            <pc:sldMk cId="0" sldId="259"/>
+            <ac:picMk id="3" creationId="{00000000-0000-0000-0000-000000000000}"/>
+          </ac:picMkLst>
+        </pc:picChg>
+        <pc:picChg chg="mod">
+          <ac:chgData name="Victor Velev" userId="842741688101d7b4" providerId="Windows Live" clId="Web-{EE6267B1-20E4-4C4F-BFCB-A3E58C6AB949}" dt="2018-03-17T22:15:51.192" v="21"/>
+          <ac:picMkLst>
+            <pc:docMk/>
+            <pc:sldMk cId="0" sldId="259"/>
+            <ac:picMk id="4" creationId="{00000000-0000-0000-0000-000000000000}"/>
+          </ac:picMkLst>
+        </pc:picChg>
+        <pc:picChg chg="mod">
+          <ac:chgData name="Victor Velev" userId="842741688101d7b4" providerId="Windows Live" clId="Web-{EE6267B1-20E4-4C4F-BFCB-A3E58C6AB949}" dt="2018-03-17T22:15:43.317" v="18"/>
+          <ac:picMkLst>
+            <pc:docMk/>
+            <pc:sldMk cId="0" sldId="259"/>
+            <ac:picMk id="7" creationId="{00000000-0000-0000-0000-000000000000}"/>
+          </ac:picMkLst>
+        </pc:picChg>
+      </pc:sldChg>
+      <pc:sldChg chg="addSp delSp modSp">
+        <pc:chgData name="Victor Velev" userId="842741688101d7b4" providerId="Windows Live" clId="Web-{EE6267B1-20E4-4C4F-BFCB-A3E58C6AB949}" dt="2018-03-17T23:07:50.557" v="775"/>
+        <pc:sldMkLst>
+          <pc:docMk/>
+          <pc:sldMk cId="0" sldId="263"/>
+        </pc:sldMkLst>
+        <pc:spChg chg="del mod">
+          <ac:chgData name="Victor Velev" userId="842741688101d7b4" providerId="Windows Live" clId="Web-{EE6267B1-20E4-4C4F-BFCB-A3E58C6AB949}" dt="2018-03-17T22:19:16.542" v="99"/>
+          <ac:spMkLst>
+            <pc:docMk/>
+            <pc:sldMk cId="0" sldId="263"/>
+            <ac:spMk id="3" creationId="{00000000-0000-0000-0000-000000000000}"/>
+          </ac:spMkLst>
+        </pc:spChg>
+        <pc:spChg chg="add mod">
+          <ac:chgData name="Victor Velev" userId="842741688101d7b4" providerId="Windows Live" clId="Web-{EE6267B1-20E4-4C4F-BFCB-A3E58C6AB949}" dt="2018-03-17T23:07:30.791" v="772"/>
+          <ac:spMkLst>
+            <pc:docMk/>
+            <pc:sldMk cId="0" sldId="263"/>
+            <ac:spMk id="4" creationId="{508666A8-0FD8-4A02-8A80-5789A84E9C09}"/>
+          </ac:spMkLst>
+        </pc:spChg>
+        <pc:spChg chg="mod">
+          <ac:chgData name="Victor Velev" userId="842741688101d7b4" providerId="Windows Live" clId="Web-{EE6267B1-20E4-4C4F-BFCB-A3E58C6AB949}" dt="2018-03-17T23:07:27.525" v="771"/>
+          <ac:spMkLst>
+            <pc:docMk/>
+            <pc:sldMk cId="0" sldId="263"/>
+            <ac:spMk id="300" creationId="{00000000-0000-0000-0000-000000000000}"/>
+          </ac:spMkLst>
+        </pc:spChg>
+        <pc:picChg chg="add mod">
+          <ac:chgData name="Victor Velev" userId="842741688101d7b4" providerId="Windows Live" clId="Web-{EE6267B1-20E4-4C4F-BFCB-A3E58C6AB949}" dt="2018-03-17T23:07:50.557" v="775"/>
+          <ac:picMkLst>
+            <pc:docMk/>
+            <pc:sldMk cId="0" sldId="263"/>
+            <ac:picMk id="5" creationId="{159D78F9-0180-479F-8055-8C6A430F49BC}"/>
+          </ac:picMkLst>
+        </pc:picChg>
+      </pc:sldChg>
+      <pc:sldChg chg="modSp">
+        <pc:chgData name="Victor Velev" userId="842741688101d7b4" providerId="Windows Live" clId="Web-{EE6267B1-20E4-4C4F-BFCB-A3E58C6AB949}" dt="2018-03-17T23:12:47.489" v="882"/>
+        <pc:sldMkLst>
+          <pc:docMk/>
+          <pc:sldMk cId="358449831" sldId="287"/>
+        </pc:sldMkLst>
+        <pc:spChg chg="mod">
+          <ac:chgData name="Victor Velev" userId="842741688101d7b4" providerId="Windows Live" clId="Web-{EE6267B1-20E4-4C4F-BFCB-A3E58C6AB949}" dt="2018-03-17T23:12:43.504" v="881"/>
+          <ac:spMkLst>
+            <pc:docMk/>
+            <pc:sldMk cId="358449831" sldId="287"/>
+            <ac:spMk id="3" creationId="{00000000-0000-0000-0000-000000000000}"/>
+          </ac:spMkLst>
+        </pc:spChg>
+        <pc:spChg chg="mod">
+          <ac:chgData name="Victor Velev" userId="842741688101d7b4" providerId="Windows Live" clId="Web-{EE6267B1-20E4-4C4F-BFCB-A3E58C6AB949}" dt="2018-03-17T23:12:47.489" v="882"/>
+          <ac:spMkLst>
+            <pc:docMk/>
+            <pc:sldMk cId="358449831" sldId="287"/>
+            <ac:spMk id="300" creationId="{00000000-0000-0000-0000-000000000000}"/>
+          </ac:spMkLst>
+        </pc:spChg>
+      </pc:sldChg>
+      <pc:sldChg chg="modSp new">
+        <pc:chgData name="Victor Velev" userId="842741688101d7b4" providerId="Windows Live" clId="Web-{EE6267B1-20E4-4C4F-BFCB-A3E58C6AB949}" dt="2018-03-17T22:17:42.430" v="83"/>
+        <pc:sldMkLst>
+          <pc:docMk/>
+          <pc:sldMk cId="1436208818" sldId="288"/>
+        </pc:sldMkLst>
+        <pc:spChg chg="mod">
+          <ac:chgData name="Victor Velev" userId="842741688101d7b4" providerId="Windows Live" clId="Web-{EE6267B1-20E4-4C4F-BFCB-A3E58C6AB949}" dt="2018-03-17T22:16:36.334" v="28"/>
+          <ac:spMkLst>
+            <pc:docMk/>
+            <pc:sldMk cId="1436208818" sldId="288"/>
+            <ac:spMk id="3" creationId="{CF1E30BF-7D4D-43DE-9D1C-92332A0E7C6F}"/>
+          </ac:spMkLst>
+        </pc:spChg>
+        <pc:spChg chg="mod">
+          <ac:chgData name="Victor Velev" userId="842741688101d7b4" providerId="Windows Live" clId="Web-{EE6267B1-20E4-4C4F-BFCB-A3E58C6AB949}" dt="2018-03-17T22:17:42.430" v="83"/>
+          <ac:spMkLst>
+            <pc:docMk/>
+            <pc:sldMk cId="1436208818" sldId="288"/>
+            <ac:spMk id="4" creationId="{D7B994C6-5870-47EA-90AB-550F1819A594}"/>
+          </ac:spMkLst>
+        </pc:spChg>
+      </pc:sldChg>
+      <pc:sldChg chg="modSp new">
+        <pc:chgData name="Victor Velev" userId="842741688101d7b4" providerId="Windows Live" clId="Web-{EE6267B1-20E4-4C4F-BFCB-A3E58C6AB949}" dt="2018-03-17T22:36:33.966" v="491"/>
+        <pc:sldMkLst>
+          <pc:docMk/>
+          <pc:sldMk cId="3264536005" sldId="289"/>
+        </pc:sldMkLst>
+        <pc:spChg chg="mod">
+          <ac:chgData name="Victor Velev" userId="842741688101d7b4" providerId="Windows Live" clId="Web-{EE6267B1-20E4-4C4F-BFCB-A3E58C6AB949}" dt="2018-03-17T22:31:23.409" v="361"/>
+          <ac:spMkLst>
+            <pc:docMk/>
+            <pc:sldMk cId="3264536005" sldId="289"/>
+            <ac:spMk id="3" creationId="{83FF7C34-D828-4664-8C7A-16B076BC4499}"/>
+          </ac:spMkLst>
+        </pc:spChg>
+        <pc:spChg chg="mod">
+          <ac:chgData name="Victor Velev" userId="842741688101d7b4" providerId="Windows Live" clId="Web-{EE6267B1-20E4-4C4F-BFCB-A3E58C6AB949}" dt="2018-03-17T22:36:33.966" v="491"/>
+          <ac:spMkLst>
+            <pc:docMk/>
+            <pc:sldMk cId="3264536005" sldId="289"/>
+            <ac:spMk id="4" creationId="{FCBD62F0-2E4C-4926-B331-88A0161CA8FC}"/>
+          </ac:spMkLst>
+        </pc:spChg>
+      </pc:sldChg>
+      <pc:sldChg chg="addSp modSp new">
+        <pc:chgData name="Victor Velev" userId="842741688101d7b4" providerId="Windows Live" clId="Web-{EE6267B1-20E4-4C4F-BFCB-A3E58C6AB949}" dt="2018-03-17T22:42:29.712" v="533"/>
+        <pc:sldMkLst>
+          <pc:docMk/>
+          <pc:sldMk cId="4021234023" sldId="290"/>
+        </pc:sldMkLst>
+        <pc:spChg chg="mod">
+          <ac:chgData name="Victor Velev" userId="842741688101d7b4" providerId="Windows Live" clId="Web-{EE6267B1-20E4-4C4F-BFCB-A3E58C6AB949}" dt="2018-03-17T22:42:13.446" v="528"/>
+          <ac:spMkLst>
+            <pc:docMk/>
+            <pc:sldMk cId="4021234023" sldId="290"/>
+            <ac:spMk id="3" creationId="{F0A26320-95FA-417E-951C-D1FCDB47FD05}"/>
+          </ac:spMkLst>
+        </pc:spChg>
+        <pc:spChg chg="mod">
+          <ac:chgData name="Victor Velev" userId="842741688101d7b4" providerId="Windows Live" clId="Web-{EE6267B1-20E4-4C4F-BFCB-A3E58C6AB949}" dt="2018-03-17T22:42:18.946" v="529"/>
+          <ac:spMkLst>
+            <pc:docMk/>
+            <pc:sldMk cId="4021234023" sldId="290"/>
+            <ac:spMk id="4" creationId="{75D28293-A75C-4412-9D69-8F2D4A876E8F}"/>
+          </ac:spMkLst>
+        </pc:spChg>
+        <pc:picChg chg="add mod">
+          <ac:chgData name="Victor Velev" userId="842741688101d7b4" providerId="Windows Live" clId="Web-{EE6267B1-20E4-4C4F-BFCB-A3E58C6AB949}" dt="2018-03-17T22:42:29.712" v="533"/>
+          <ac:picMkLst>
+            <pc:docMk/>
+            <pc:sldMk cId="4021234023" sldId="290"/>
+            <ac:picMk id="5" creationId="{8F8CF56D-A350-4734-8236-05F313B4E29F}"/>
+          </ac:picMkLst>
+        </pc:picChg>
+      </pc:sldChg>
+      <pc:sldChg chg="modSp new del">
+        <pc:chgData name="Victor Velev" userId="842741688101d7b4" providerId="Windows Live" clId="Web-{EE6267B1-20E4-4C4F-BFCB-A3E58C6AB949}" dt="2018-03-17T23:08:55.122" v="777"/>
+        <pc:sldMkLst>
+          <pc:docMk/>
+          <pc:sldMk cId="2416754940" sldId="291"/>
+        </pc:sldMkLst>
+        <pc:spChg chg="mod">
+          <ac:chgData name="Victor Velev" userId="842741688101d7b4" providerId="Windows Live" clId="Web-{EE6267B1-20E4-4C4F-BFCB-A3E58C6AB949}" dt="2018-03-17T23:00:29.122" v="734"/>
+          <ac:spMkLst>
+            <pc:docMk/>
+            <pc:sldMk cId="2416754940" sldId="291"/>
+            <ac:spMk id="3" creationId="{BD1580BA-C18C-453E-A3C5-EAD34A562E6A}"/>
+          </ac:spMkLst>
+        </pc:spChg>
+        <pc:spChg chg="mod">
+          <ac:chgData name="Victor Velev" userId="842741688101d7b4" providerId="Windows Live" clId="Web-{EE6267B1-20E4-4C4F-BFCB-A3E58C6AB949}" dt="2018-03-17T23:00:59.484" v="740"/>
+          <ac:spMkLst>
+            <pc:docMk/>
+            <pc:sldMk cId="2416754940" sldId="291"/>
+            <ac:spMk id="4" creationId="{D5CE6F4A-0A04-49A8-8F0C-02600F31C2AB}"/>
+          </ac:spMkLst>
+        </pc:spChg>
+      </pc:sldChg>
+      <pc:sldChg chg="modSp new">
+        <pc:chgData name="Victor Velev" userId="842741688101d7b4" providerId="Windows Live" clId="Web-{EE6267B1-20E4-4C4F-BFCB-A3E58C6AB949}" dt="2018-03-17T23:08:03.355" v="776"/>
+        <pc:sldMkLst>
+          <pc:docMk/>
+          <pc:sldMk cId="2126911503" sldId="292"/>
+        </pc:sldMkLst>
+        <pc:spChg chg="mod">
+          <ac:chgData name="Victor Velev" userId="842741688101d7b4" providerId="Windows Live" clId="Web-{EE6267B1-20E4-4C4F-BFCB-A3E58C6AB949}" dt="2018-03-17T23:05:41.866" v="762"/>
+          <ac:spMkLst>
+            <pc:docMk/>
+            <pc:sldMk cId="2126911503" sldId="292"/>
+            <ac:spMk id="3" creationId="{F8E7BA7E-7FE0-4A57-ADF6-D12D17CEF536}"/>
+          </ac:spMkLst>
+        </pc:spChg>
+        <pc:spChg chg="mod">
+          <ac:chgData name="Victor Velev" userId="842741688101d7b4" providerId="Windows Live" clId="Web-{EE6267B1-20E4-4C4F-BFCB-A3E58C6AB949}" dt="2018-03-17T23:08:03.355" v="776"/>
+          <ac:spMkLst>
+            <pc:docMk/>
+            <pc:sldMk cId="2126911503" sldId="292"/>
+            <ac:spMk id="4" creationId="{25DF92EA-01DE-4272-A838-874890F3AB19}"/>
+          </ac:spMkLst>
+        </pc:spChg>
+      </pc:sldChg>
+    </pc:docChg>
+  </pc:docChgLst>
+</pc:chgInfo>
 </file>
 
 <file path=ppt/notesMasters/notesMaster1.xml><?xml version="1.0" encoding="utf-8"?>
@@ -17639,7 +17952,7 @@
               <a:buNone/>
             </a:pPr>
             <a:r>
-              <a:rPr lang="en" b="1" dirty="0" smtClean="0">
+              <a:rPr lang="en" b="1" dirty="0">
                 <a:ln w="9525">
                   <a:solidFill>
                     <a:schemeClr val="bg1"/>
@@ -17704,7 +18017,7 @@
           <a:p>
             <a:pPr algn="ctr"/>
             <a:r>
-              <a:rPr lang="en-US" sz="2400" b="1" i="1" cap="none" spc="0" dirty="0" smtClean="0">
+              <a:rPr lang="en-US" sz="2400" b="1" i="1" cap="none" spc="0" dirty="0">
                 <a:ln w="9525">
                   <a:solidFill>
                     <a:schemeClr val="bg1"/>
@@ -17725,7 +18038,7 @@
               <a:t>Historical </a:t>
             </a:r>
             <a:r>
-              <a:rPr lang="en-US" sz="2400" b="1" i="1" cap="none" spc="0" dirty="0" err="1" smtClean="0">
+              <a:rPr lang="en-US" sz="2400" b="1" i="1" cap="none" spc="0" dirty="0" err="1">
                 <a:ln w="9525">
                   <a:solidFill>
                     <a:schemeClr val="bg1"/>
@@ -17801,13 +18114,315 @@
   <p:clrMapOvr>
     <a:masterClrMapping/>
   </p:clrMapOvr>
-  <p:timing>
-    <p:tnLst>
-      <p:par>
-        <p:cTn id="1" dur="indefinite" restart="never" nodeType="tmRoot"/>
-      </p:par>
-    </p:tnLst>
-  </p:timing>
+</p:sld>
+</file>
+
+<file path=ppt/slides/slide10.xml><?xml version="1.0" encoding="utf-8"?>
+<p:sld xmlns:a="http://schemas.openxmlformats.org/drawingml/2006/main" xmlns:r="http://schemas.openxmlformats.org/officeDocument/2006/relationships" xmlns:p="http://schemas.openxmlformats.org/presentationml/2006/main">
+  <p:cSld>
+    <p:spTree>
+      <p:nvGrpSpPr>
+        <p:cNvPr id="1" name="Shape 298"/>
+        <p:cNvGrpSpPr/>
+        <p:nvPr/>
+      </p:nvGrpSpPr>
+      <p:grpSpPr>
+        <a:xfrm>
+          <a:off x="0" y="0"/>
+          <a:ext cx="0" cy="0"/>
+          <a:chOff x="0" y="0"/>
+          <a:chExt cx="0" cy="0"/>
+        </a:xfrm>
+      </p:grpSpPr>
+      <p:sp>
+        <p:nvSpPr>
+          <p:cNvPr id="300" name="Shape 300"/>
+          <p:cNvSpPr txBox="1">
+            <a:spLocks noGrp="1"/>
+          </p:cNvSpPr>
+          <p:nvPr>
+            <p:ph type="title"/>
+          </p:nvPr>
+        </p:nvSpPr>
+        <p:spPr>
+          <a:xfrm>
+            <a:off x="451687" y="628650"/>
+            <a:ext cx="5138700" cy="857400"/>
+          </a:xfrm>
+          <a:prstGeom prst="rect">
+            <a:avLst/>
+          </a:prstGeom>
+        </p:spPr>
+        <p:txBody>
+          <a:bodyPr spcFirstLastPara="1" wrap="square" lIns="91425" tIns="91425" rIns="91425" bIns="91425" anchor="b" anchorCtr="0">
+            <a:noAutofit/>
+          </a:bodyPr>
+          <a:lstStyle/>
+          <a:p>
+            <a:pPr marL="0" lvl="0" indent="0" algn="ctr">
+              <a:spcBef>
+                <a:spcPts val="0"/>
+              </a:spcBef>
+              <a:spcAft>
+                <a:spcPts val="0"/>
+              </a:spcAft>
+              <a:buNone/>
+            </a:pPr>
+            <a:r>
+              <a:rPr lang="en-US" sz="6000" dirty="0"/>
+              <a:t>Future Plans</a:t>
+            </a:r>
+            <a:endParaRPr sz="6000" dirty="0"/>
+          </a:p>
+        </p:txBody>
+      </p:sp>
+      <p:sp>
+        <p:nvSpPr>
+          <p:cNvPr id="302" name="Shape 302"/>
+          <p:cNvSpPr txBox="1">
+            <a:spLocks noGrp="1"/>
+          </p:cNvSpPr>
+          <p:nvPr>
+            <p:ph type="sldNum" idx="12"/>
+          </p:nvPr>
+        </p:nvSpPr>
+        <p:spPr>
+          <a:xfrm>
+            <a:off x="8808000" y="2208175"/>
+            <a:ext cx="336000" cy="727200"/>
+          </a:xfrm>
+          <a:prstGeom prst="rect">
+            <a:avLst/>
+          </a:prstGeom>
+        </p:spPr>
+        <p:txBody>
+          <a:bodyPr spcFirstLastPara="1" wrap="square" lIns="91425" tIns="91425" rIns="91425" bIns="91425" anchor="ctr" anchorCtr="0">
+            <a:noAutofit/>
+          </a:bodyPr>
+          <a:lstStyle/>
+          <a:p>
+            <a:pPr marL="0" lvl="0" indent="0">
+              <a:spcBef>
+                <a:spcPts val="0"/>
+              </a:spcBef>
+              <a:spcAft>
+                <a:spcPts val="0"/>
+              </a:spcAft>
+              <a:buNone/>
+            </a:pPr>
+            <a:fld id="{00000000-1234-1234-1234-123412341234}" type="slidenum">
+              <a:rPr lang="en"/>
+              <a:t>10</a:t>
+            </a:fld>
+            <a:endParaRPr/>
+          </a:p>
+        </p:txBody>
+      </p:sp>
+      <p:sp>
+        <p:nvSpPr>
+          <p:cNvPr id="3" name="Text Placeholder 2"/>
+          <p:cNvSpPr>
+            <a:spLocks noGrp="1"/>
+          </p:cNvSpPr>
+          <p:nvPr>
+            <p:ph type="body" idx="2"/>
+          </p:nvPr>
+        </p:nvSpPr>
+        <p:spPr>
+          <a:xfrm>
+            <a:off x="304838" y="1301402"/>
+            <a:ext cx="5442233" cy="3155100"/>
+          </a:xfrm>
+        </p:spPr>
+        <p:txBody>
+          <a:bodyPr/>
+          <a:lstStyle/>
+          <a:p>
+            <a:pPr marL="114300" indent="0">
+              <a:buNone/>
+            </a:pPr>
+            <a:endParaRPr lang="en-US" sz="2400" dirty="0">
+              <a:solidFill>
+                <a:schemeClr val="tx1"/>
+              </a:solidFill>
+            </a:endParaRPr>
+          </a:p>
+          <a:p>
+            <a:r>
+              <a:rPr lang="en-US" sz="2000" dirty="0"/>
+              <a:t>Add other sources (not only Wikipedia)</a:t>
+            </a:r>
+          </a:p>
+          <a:p>
+            <a:r>
+              <a:rPr lang="en-US" sz="2000" dirty="0"/>
+              <a:t>Finalize the other features of the app apart from the chat</a:t>
+            </a:r>
+          </a:p>
+          <a:p>
+            <a:pPr lvl="1"/>
+            <a:r>
+              <a:rPr lang="en-US" sz="2000" dirty="0"/>
+              <a:t>History</a:t>
+            </a:r>
+          </a:p>
+          <a:p>
+            <a:pPr lvl="1"/>
+            <a:r>
+              <a:rPr lang="en-US" sz="2000" dirty="0"/>
+              <a:t>Bookmarks</a:t>
+            </a:r>
+          </a:p>
+          <a:p>
+            <a:pPr lvl="1"/>
+            <a:r>
+              <a:rPr lang="en-US" sz="2000" dirty="0"/>
+              <a:t>and others...</a:t>
+            </a:r>
+          </a:p>
+          <a:p>
+            <a:r>
+              <a:rPr lang="en-US" sz="2000" dirty="0"/>
+              <a:t>Publish it so it is accessible for everyone :)</a:t>
+            </a:r>
+          </a:p>
+        </p:txBody>
+      </p:sp>
+    </p:spTree>
+    <p:extLst>
+      <p:ext uri="{BB962C8B-B14F-4D97-AF65-F5344CB8AC3E}">
+        <p14:creationId xmlns:p14="http://schemas.microsoft.com/office/powerpoint/2010/main" val="358449831"/>
+      </p:ext>
+    </p:extLst>
+  </p:cSld>
+  <p:clrMapOvr>
+    <a:masterClrMapping/>
+  </p:clrMapOvr>
+</p:sld>
+</file>
+
+<file path=ppt/slides/slide11.xml><?xml version="1.0" encoding="utf-8"?>
+<p:sld xmlns:a="http://schemas.openxmlformats.org/drawingml/2006/main" xmlns:r="http://schemas.openxmlformats.org/officeDocument/2006/relationships" xmlns:p="http://schemas.openxmlformats.org/presentationml/2006/main">
+  <p:cSld>
+    <p:spTree>
+      <p:nvGrpSpPr>
+        <p:cNvPr id="1" name="Shape 298"/>
+        <p:cNvGrpSpPr/>
+        <p:nvPr/>
+      </p:nvGrpSpPr>
+      <p:grpSpPr>
+        <a:xfrm>
+          <a:off x="0" y="0"/>
+          <a:ext cx="0" cy="0"/>
+          <a:chOff x="0" y="0"/>
+          <a:chExt cx="0" cy="0"/>
+        </a:xfrm>
+      </p:grpSpPr>
+      <p:sp>
+        <p:nvSpPr>
+          <p:cNvPr id="302" name="Shape 302"/>
+          <p:cNvSpPr txBox="1">
+            <a:spLocks noGrp="1"/>
+          </p:cNvSpPr>
+          <p:nvPr>
+            <p:ph type="sldNum" idx="12"/>
+          </p:nvPr>
+        </p:nvSpPr>
+        <p:spPr>
+          <a:xfrm>
+            <a:off x="8808000" y="2208175"/>
+            <a:ext cx="336000" cy="727200"/>
+          </a:xfrm>
+          <a:prstGeom prst="rect">
+            <a:avLst/>
+          </a:prstGeom>
+        </p:spPr>
+        <p:txBody>
+          <a:bodyPr spcFirstLastPara="1" wrap="square" lIns="91425" tIns="91425" rIns="91425" bIns="91425" anchor="ctr" anchorCtr="0">
+            <a:noAutofit/>
+          </a:bodyPr>
+          <a:lstStyle/>
+          <a:p>
+            <a:pPr marL="0" lvl="0" indent="0">
+              <a:spcBef>
+                <a:spcPts val="0"/>
+              </a:spcBef>
+              <a:spcAft>
+                <a:spcPts val="0"/>
+              </a:spcAft>
+              <a:buNone/>
+            </a:pPr>
+            <a:fld id="{00000000-1234-1234-1234-123412341234}" type="slidenum">
+              <a:rPr lang="en"/>
+              <a:t>11</a:t>
+            </a:fld>
+            <a:endParaRPr/>
+          </a:p>
+        </p:txBody>
+      </p:sp>
+      <p:sp>
+        <p:nvSpPr>
+          <p:cNvPr id="3" name="Rectangle 2"/>
+          <p:cNvSpPr/>
+          <p:nvPr/>
+        </p:nvSpPr>
+        <p:spPr>
+          <a:xfrm>
+            <a:off x="1680783" y="317311"/>
+            <a:ext cx="2432076" cy="4508927"/>
+          </a:xfrm>
+          <a:prstGeom prst="rect">
+            <a:avLst/>
+          </a:prstGeom>
+          <a:noFill/>
+        </p:spPr>
+        <p:txBody>
+          <a:bodyPr wrap="none" lIns="91440" tIns="45720" rIns="91440" bIns="45720">
+            <a:spAutoFit/>
+          </a:bodyPr>
+          <a:lstStyle/>
+          <a:p>
+            <a:pPr algn="ctr"/>
+            <a:r>
+              <a:rPr lang="en-US" sz="28700" b="1" cap="none" spc="0" dirty="0">
+                <a:ln w="12700">
+                  <a:solidFill>
+                    <a:schemeClr val="accent1"/>
+                  </a:solidFill>
+                  <a:prstDash val="solid"/>
+                </a:ln>
+                <a:pattFill prst="pct50">
+                  <a:fgClr>
+                    <a:schemeClr val="accent1"/>
+                  </a:fgClr>
+                  <a:bgClr>
+                    <a:schemeClr val="accent1">
+                      <a:lumMod val="20000"/>
+                      <a:lumOff val="80000"/>
+                    </a:schemeClr>
+                  </a:bgClr>
+                </a:pattFill>
+                <a:effectLst>
+                  <a:outerShdw dist="38100" dir="2640000" algn="bl" rotWithShape="0">
+                    <a:schemeClr val="accent1"/>
+                  </a:outerShdw>
+                </a:effectLst>
+              </a:rPr>
+              <a:t>?</a:t>
+            </a:r>
+          </a:p>
+        </p:txBody>
+      </p:sp>
+    </p:spTree>
+    <p:extLst>
+      <p:ext uri="{BB962C8B-B14F-4D97-AF65-F5344CB8AC3E}">
+        <p14:creationId xmlns:p14="http://schemas.microsoft.com/office/powerpoint/2010/main" val="2242020356"/>
+      </p:ext>
+    </p:extLst>
+  </p:cSld>
+  <p:clrMapOvr>
+    <a:masterClrMapping/>
+  </p:clrMapOvr>
 </p:sld>
 </file>
 
@@ -17853,18 +18468,14 @@
           </a:bodyPr>
           <a:lstStyle/>
           <a:p>
-            <a:pPr marL="0" lvl="0" indent="0" algn="ctr" rtl="0">
-              <a:spcBef>
-                <a:spcPts val="0"/>
-              </a:spcBef>
-              <a:spcAft>
-                <a:spcPts val="0"/>
-              </a:spcAft>
-              <a:buNone/>
-            </a:pPr>
+            <a:pPr algn="ctr"/>
             <a:r>
-              <a:rPr lang="en-US" dirty="0" smtClean="0"/>
-              <a:t>About our project </a:t>
+              <a:rPr lang="en-US" sz="3600" dirty="0"/>
+              <a:t>About our project</a:t>
+            </a:r>
+            <a:r>
+              <a:rPr lang="en-US" dirty="0"/>
+              <a:t> </a:t>
             </a:r>
             <a:endParaRPr dirty="0"/>
           </a:p>
@@ -17882,7 +18493,7 @@
         </p:nvSpPr>
         <p:spPr>
           <a:xfrm>
-            <a:off x="3101651" y="1519900"/>
+            <a:off x="3036564" y="1519900"/>
             <a:ext cx="2494200" cy="2358900"/>
           </a:xfrm>
           <a:prstGeom prst="rect">
@@ -17909,7 +18520,7 @@
               <a:buFont typeface="Arial"/>
               <a:buNone/>
             </a:pPr>
-            <a:endParaRPr lang="en-US" b="1" dirty="0" smtClean="0">
+            <a:endParaRPr lang="en-US" b="1" dirty="0">
               <a:solidFill>
                 <a:schemeClr val="accent5">
                   <a:lumMod val="75000"/>
@@ -17933,16 +18544,16 @@
               <a:buNone/>
             </a:pPr>
             <a:r>
-              <a:rPr lang="en-US" dirty="0" smtClean="0">
+              <a:rPr lang="en-US" sz="2400" dirty="0">
                 <a:solidFill>
                   <a:schemeClr val="accent5">
                     <a:lumMod val="75000"/>
                   </a:schemeClr>
                 </a:solidFill>
               </a:rPr>
-              <a:t>How does it work ?</a:t>
+              <a:t>How does it work?</a:t>
             </a:r>
-            <a:endParaRPr dirty="0">
+            <a:endParaRPr sz="2400" dirty="0">
               <a:solidFill>
                 <a:schemeClr val="accent5">
                   <a:lumMod val="75000"/>
@@ -17964,7 +18575,7 @@
         </p:nvSpPr>
         <p:spPr>
           <a:xfrm>
-            <a:off x="457200" y="1519900"/>
+            <a:off x="458584" y="1519900"/>
             <a:ext cx="2494200" cy="2358900"/>
           </a:xfrm>
           <a:prstGeom prst="rect">
@@ -18002,14 +18613,14 @@
               <a:buNone/>
             </a:pPr>
             <a:r>
-              <a:rPr lang="en-US" dirty="0" smtClean="0">
+              <a:rPr lang="en-US" sz="2400" dirty="0">
                 <a:solidFill>
                   <a:schemeClr val="accent5">
                     <a:lumMod val="75000"/>
                   </a:schemeClr>
                 </a:solidFill>
               </a:rPr>
-              <a:t>What is the idea ?</a:t>
+              <a:t>What is the idea?</a:t>
             </a:r>
           </a:p>
           <a:p>
@@ -18034,74 +18645,11 @@
               </a:buClr>
               <a:buSzPts val="1100"/>
             </a:pPr>
-            <a:endParaRPr lang="en-US" dirty="0" smtClean="0">
+            <a:endParaRPr lang="en-US" dirty="0">
               <a:solidFill>
                 <a:schemeClr val="accent5">
                   <a:lumMod val="75000"/>
                 </a:schemeClr>
-              </a:solidFill>
-            </a:endParaRPr>
-          </a:p>
-        </p:txBody>
-      </p:sp>
-      <p:sp>
-        <p:nvSpPr>
-          <p:cNvPr id="248" name="Shape 248"/>
-          <p:cNvSpPr txBox="1">
-            <a:spLocks noGrp="1"/>
-          </p:cNvSpPr>
-          <p:nvPr>
-            <p:ph type="body" idx="2"/>
-          </p:nvPr>
-        </p:nvSpPr>
-        <p:spPr>
-          <a:xfrm>
-            <a:off x="457200" y="3905925"/>
-            <a:ext cx="5138700" cy="1141200"/>
-          </a:xfrm>
-          <a:prstGeom prst="rect">
-            <a:avLst/>
-          </a:prstGeom>
-        </p:spPr>
-        <p:txBody>
-          <a:bodyPr spcFirstLastPara="1" wrap="square" lIns="91425" tIns="91425" rIns="91425" bIns="91425" anchor="t" anchorCtr="0">
-            <a:noAutofit/>
-          </a:bodyPr>
-          <a:lstStyle/>
-          <a:p>
-            <a:pPr marL="0" lvl="0" indent="0" rtl="0">
-              <a:spcBef>
-                <a:spcPts val="0"/>
-              </a:spcBef>
-              <a:spcAft>
-                <a:spcPts val="0"/>
-              </a:spcAft>
-              <a:buClr>
-                <a:schemeClr val="dk1"/>
-              </a:buClr>
-              <a:buSzPts val="1100"/>
-              <a:buFont typeface="Arial"/>
-              <a:buNone/>
-            </a:pPr>
-            <a:endParaRPr sz="1200" dirty="0">
-              <a:solidFill>
-                <a:srgbClr val="4F4A9E"/>
-              </a:solidFill>
-            </a:endParaRPr>
-          </a:p>
-          <a:p>
-            <a:pPr marL="0" lvl="0" indent="0" rtl="0">
-              <a:spcBef>
-                <a:spcPts val="0"/>
-              </a:spcBef>
-              <a:spcAft>
-                <a:spcPts val="0"/>
-              </a:spcAft>
-              <a:buNone/>
-            </a:pPr>
-            <a:endParaRPr sz="1200" dirty="0">
-              <a:solidFill>
-                <a:srgbClr val="4F4A9E"/>
               </a:solidFill>
             </a:endParaRPr>
           </a:p>
@@ -18171,7 +18719,7 @@
         </p:blipFill>
         <p:spPr>
           <a:xfrm>
-            <a:off x="1030084" y="2605894"/>
+            <a:off x="857250" y="2819400"/>
             <a:ext cx="1348431" cy="1348431"/>
           </a:xfrm>
           <a:prstGeom prst="rect">
@@ -18201,7 +18749,7 @@
         </p:blipFill>
         <p:spPr>
           <a:xfrm>
-            <a:off x="3558951" y="2605893"/>
+            <a:off x="3558951" y="3154033"/>
             <a:ext cx="1448057" cy="1448057"/>
           </a:xfrm>
           <a:prstGeom prst="rect">
@@ -18214,13 +18762,6 @@
   <p:clrMapOvr>
     <a:masterClrMapping/>
   </p:clrMapOvr>
-  <p:timing>
-    <p:tnLst>
-      <p:par>
-        <p:cTn id="1" dur="indefinite" restart="never" nodeType="tmRoot"/>
-      </p:par>
-    </p:tnLst>
-  </p:timing>
 </p:sld>
 </file>
 
@@ -18253,7 +18794,7 @@
         </p:nvSpPr>
         <p:spPr>
           <a:xfrm>
-            <a:off x="457200" y="586975"/>
+            <a:off x="457200" y="419100"/>
             <a:ext cx="5138700" cy="857400"/>
           </a:xfrm>
           <a:prstGeom prst="rect">
@@ -18276,10 +18817,10 @@
               <a:buNone/>
             </a:pPr>
             <a:r>
-              <a:rPr lang="en-US" dirty="0" smtClean="0"/>
+              <a:rPr lang="en-US" sz="3600" dirty="0"/>
               <a:t>Technologies</a:t>
             </a:r>
-            <a:endParaRPr dirty="0"/>
+            <a:endParaRPr sz="3600" dirty="0"/>
           </a:p>
         </p:txBody>
       </p:sp>
@@ -18347,8 +18888,8 @@
         </p:blipFill>
         <p:spPr>
           <a:xfrm>
-            <a:off x="1220944" y="2026829"/>
-            <a:ext cx="1090100" cy="1090100"/>
+            <a:off x="396450" y="1802983"/>
+            <a:ext cx="1151363" cy="1151355"/>
           </a:xfrm>
           <a:prstGeom prst="rect">
             <a:avLst/>
@@ -18377,7 +18918,7 @@
         </p:blipFill>
         <p:spPr>
           <a:xfrm>
-            <a:off x="3742055" y="1859408"/>
+            <a:off x="3024485" y="1676400"/>
             <a:ext cx="1430914" cy="1278879"/>
           </a:xfrm>
           <a:prstGeom prst="rect">
@@ -18407,8 +18948,38 @@
         </p:blipFill>
         <p:spPr>
           <a:xfrm>
-            <a:off x="2311044" y="3297832"/>
+            <a:off x="1546622" y="3390900"/>
             <a:ext cx="1431011" cy="1306021"/>
+          </a:xfrm>
+          <a:prstGeom prst="rect">
+            <a:avLst/>
+          </a:prstGeom>
+        </p:spPr>
+      </p:pic>
+      <p:pic>
+        <p:nvPicPr>
+          <p:cNvPr id="2" name="Picture 4" descr="A close up of a logo&#10;&#10;Description generated with high confidence">
+            <a:extLst>
+              <a:ext uri="{FF2B5EF4-FFF2-40B4-BE49-F238E27FC236}">
+                <a16:creationId xmlns:a16="http://schemas.microsoft.com/office/drawing/2014/main" id="{EBD5E883-F705-4B89-8416-AB1A93729804}"/>
+              </a:ext>
+            </a:extLst>
+          </p:cNvPr>
+          <p:cNvPicPr>
+            <a:picLocks noChangeAspect="1"/>
+          </p:cNvPicPr>
+          <p:nvPr/>
+        </p:nvPicPr>
+        <p:blipFill>
+          <a:blip r:embed="rId6"/>
+          <a:stretch>
+            <a:fillRect/>
+          </a:stretch>
+        </p:blipFill>
+        <p:spPr>
+          <a:xfrm>
+            <a:off x="3867150" y="3267075"/>
+            <a:ext cx="1950244" cy="1625204"/>
           </a:xfrm>
           <a:prstGeom prst="rect">
             <a:avLst/>
@@ -18420,17 +18991,371 @@
   <p:clrMapOvr>
     <a:masterClrMapping/>
   </p:clrMapOvr>
-  <p:timing>
-    <p:tnLst>
-      <p:par>
-        <p:cTn id="1" dur="indefinite" restart="never" nodeType="tmRoot"/>
-      </p:par>
-    </p:tnLst>
-  </p:timing>
 </p:sld>
 </file>
 
 <file path=ppt/slides/slide4.xml><?xml version="1.0" encoding="utf-8"?>
+<p:sld xmlns:a="http://schemas.openxmlformats.org/drawingml/2006/main" xmlns:r="http://schemas.openxmlformats.org/officeDocument/2006/relationships" xmlns:p="http://schemas.openxmlformats.org/presentationml/2006/main">
+  <p:cSld>
+    <p:spTree>
+      <p:nvGrpSpPr>
+        <p:cNvPr id="1" name=""/>
+        <p:cNvGrpSpPr/>
+        <p:nvPr/>
+      </p:nvGrpSpPr>
+      <p:grpSpPr>
+        <a:xfrm>
+          <a:off x="0" y="0"/>
+          <a:ext cx="0" cy="0"/>
+          <a:chOff x="0" y="0"/>
+          <a:chExt cx="0" cy="0"/>
+        </a:xfrm>
+      </p:grpSpPr>
+      <p:sp>
+        <p:nvSpPr>
+          <p:cNvPr id="2" name="Slide Number Placeholder 1">
+            <a:extLst>
+              <a:ext uri="{FF2B5EF4-FFF2-40B4-BE49-F238E27FC236}">
+                <a16:creationId xmlns:a16="http://schemas.microsoft.com/office/drawing/2014/main" id="{A0C47DBC-64AB-49C6-9BEE-F91FC09B0C22}"/>
+              </a:ext>
+            </a:extLst>
+          </p:cNvPr>
+          <p:cNvSpPr>
+            <a:spLocks noGrp="1"/>
+          </p:cNvSpPr>
+          <p:nvPr>
+            <p:ph type="sldNum" idx="12"/>
+          </p:nvPr>
+        </p:nvSpPr>
+        <p:spPr/>
+        <p:txBody>
+          <a:bodyPr/>
+          <a:lstStyle/>
+          <a:p>
+            <a:pPr marL="0" lvl="0" indent="0">
+              <a:spcBef>
+                <a:spcPts val="0"/>
+              </a:spcBef>
+              <a:spcAft>
+                <a:spcPts val="0"/>
+              </a:spcAft>
+              <a:buNone/>
+            </a:pPr>
+            <a:fld id="{00000000-1234-1234-1234-123412341234}" type="slidenum">
+              <a:rPr lang="en"/>
+              <a:t>4</a:t>
+            </a:fld>
+            <a:endParaRPr lang="en"/>
+          </a:p>
+        </p:txBody>
+      </p:sp>
+      <p:sp>
+        <p:nvSpPr>
+          <p:cNvPr id="3" name="Title 2">
+            <a:extLst>
+              <a:ext uri="{FF2B5EF4-FFF2-40B4-BE49-F238E27FC236}">
+                <a16:creationId xmlns:a16="http://schemas.microsoft.com/office/drawing/2014/main" id="{83FF7C34-D828-4664-8C7A-16B076BC4499}"/>
+              </a:ext>
+            </a:extLst>
+          </p:cNvPr>
+          <p:cNvSpPr>
+            <a:spLocks noGrp="1"/>
+          </p:cNvSpPr>
+          <p:nvPr>
+            <p:ph type="title"/>
+          </p:nvPr>
+        </p:nvSpPr>
+        <p:spPr>
+          <a:xfrm>
+            <a:off x="457200" y="438150"/>
+            <a:ext cx="5219105" cy="874712"/>
+          </a:xfrm>
+        </p:spPr>
+        <p:txBody>
+          <a:bodyPr/>
+          <a:lstStyle/>
+          <a:p>
+            <a:r>
+              <a:rPr lang="en-GB" dirty="0"/>
+              <a:t>Natural Language Processing</a:t>
+            </a:r>
+            <a:endParaRPr lang="en-GB" dirty="0" err="1"/>
+          </a:p>
+        </p:txBody>
+      </p:sp>
+      <p:sp>
+        <p:nvSpPr>
+          <p:cNvPr id="4" name="Text Placeholder 3">
+            <a:extLst>
+              <a:ext uri="{FF2B5EF4-FFF2-40B4-BE49-F238E27FC236}">
+                <a16:creationId xmlns:a16="http://schemas.microsoft.com/office/drawing/2014/main" id="{FCBD62F0-2E4C-4926-B331-88A0161CA8FC}"/>
+              </a:ext>
+            </a:extLst>
+          </p:cNvPr>
+          <p:cNvSpPr>
+            <a:spLocks noGrp="1"/>
+          </p:cNvSpPr>
+          <p:nvPr>
+            <p:ph type="body" idx="1"/>
+          </p:nvPr>
+        </p:nvSpPr>
+        <p:spPr>
+          <a:xfrm>
+            <a:off x="497710" y="1200150"/>
+            <a:ext cx="5138700" cy="3180900"/>
+          </a:xfrm>
+        </p:spPr>
+        <p:txBody>
+          <a:bodyPr/>
+          <a:lstStyle/>
+          <a:p>
+            <a:r>
+              <a:rPr lang="en-GB" dirty="0" err="1"/>
+              <a:t>Standartization</a:t>
+            </a:r>
+          </a:p>
+          <a:p>
+            <a:pPr lvl="1"/>
+            <a:r>
+              <a:rPr lang="en-GB" dirty="0"/>
+              <a:t>"luv" -&gt; "love"</a:t>
+            </a:r>
+          </a:p>
+          <a:p>
+            <a:r>
+              <a:rPr lang="en-GB" dirty="0"/>
+              <a:t>Removing "Noise"</a:t>
+            </a:r>
+          </a:p>
+          <a:p>
+            <a:pPr lvl="1"/>
+            <a:r>
+              <a:rPr lang="en-GB" dirty="0"/>
+              <a:t>words like </a:t>
+            </a:r>
+          </a:p>
+          <a:p>
+            <a:pPr lvl="2"/>
+            <a:r>
+              <a:rPr lang="en-GB" dirty="0"/>
+              <a:t>"is", "was", "a" …</a:t>
+            </a:r>
+          </a:p>
+          <a:p>
+            <a:pPr lvl="1"/>
+            <a:r>
+              <a:rPr lang="en-GB" dirty="0"/>
+              <a:t>punctuation</a:t>
+            </a:r>
+          </a:p>
+          <a:p>
+            <a:r>
+              <a:rPr lang="en-GB" dirty="0"/>
+              <a:t>Stemming</a:t>
+            </a:r>
+          </a:p>
+          <a:p>
+            <a:pPr lvl="1"/>
+            <a:r>
+              <a:rPr lang="en-GB" dirty="0"/>
+              <a:t>"playing" -&gt; "play"</a:t>
+            </a:r>
+          </a:p>
+          <a:p>
+            <a:pPr lvl="1"/>
+            <a:r>
+              <a:rPr lang="en-GB" dirty="0"/>
+              <a:t>"player" -&gt; "play"</a:t>
+            </a:r>
+          </a:p>
+        </p:txBody>
+      </p:sp>
+    </p:spTree>
+    <p:extLst>
+      <p:ext uri="{BB962C8B-B14F-4D97-AF65-F5344CB8AC3E}">
+        <p14:creationId xmlns:p14="http://schemas.microsoft.com/office/powerpoint/2010/main" val="3264536005"/>
+      </p:ext>
+    </p:extLst>
+  </p:cSld>
+  <p:clrMapOvr>
+    <a:masterClrMapping/>
+  </p:clrMapOvr>
+</p:sld>
+</file>
+
+<file path=ppt/slides/slide5.xml><?xml version="1.0" encoding="utf-8"?>
+<p:sld xmlns:a="http://schemas.openxmlformats.org/drawingml/2006/main" xmlns:r="http://schemas.openxmlformats.org/officeDocument/2006/relationships" xmlns:p="http://schemas.openxmlformats.org/presentationml/2006/main">
+  <p:cSld>
+    <p:spTree>
+      <p:nvGrpSpPr>
+        <p:cNvPr id="1" name=""/>
+        <p:cNvGrpSpPr/>
+        <p:nvPr/>
+      </p:nvGrpSpPr>
+      <p:grpSpPr>
+        <a:xfrm>
+          <a:off x="0" y="0"/>
+          <a:ext cx="0" cy="0"/>
+          <a:chOff x="0" y="0"/>
+          <a:chExt cx="0" cy="0"/>
+        </a:xfrm>
+      </p:grpSpPr>
+      <p:sp>
+        <p:nvSpPr>
+          <p:cNvPr id="2" name="Slide Number Placeholder 1">
+            <a:extLst>
+              <a:ext uri="{FF2B5EF4-FFF2-40B4-BE49-F238E27FC236}">
+                <a16:creationId xmlns:a16="http://schemas.microsoft.com/office/drawing/2014/main" id="{D360C947-1EC3-4B29-9126-73AC32FF4F5B}"/>
+              </a:ext>
+            </a:extLst>
+          </p:cNvPr>
+          <p:cNvSpPr>
+            <a:spLocks noGrp="1"/>
+          </p:cNvSpPr>
+          <p:nvPr>
+            <p:ph type="sldNum" idx="12"/>
+          </p:nvPr>
+        </p:nvSpPr>
+        <p:spPr/>
+        <p:txBody>
+          <a:bodyPr/>
+          <a:lstStyle/>
+          <a:p>
+            <a:pPr marL="0" lvl="0" indent="0">
+              <a:spcBef>
+                <a:spcPts val="0"/>
+              </a:spcBef>
+              <a:spcAft>
+                <a:spcPts val="0"/>
+              </a:spcAft>
+              <a:buNone/>
+            </a:pPr>
+            <a:fld id="{00000000-1234-1234-1234-123412341234}" type="slidenum">
+              <a:rPr lang="en"/>
+              <a:t>5</a:t>
+            </a:fld>
+            <a:endParaRPr lang="en"/>
+          </a:p>
+        </p:txBody>
+      </p:sp>
+      <p:sp>
+        <p:nvSpPr>
+          <p:cNvPr id="3" name="Title 2">
+            <a:extLst>
+              <a:ext uri="{FF2B5EF4-FFF2-40B4-BE49-F238E27FC236}">
+                <a16:creationId xmlns:a16="http://schemas.microsoft.com/office/drawing/2014/main" id="{F0A26320-95FA-417E-951C-D1FCDB47FD05}"/>
+              </a:ext>
+            </a:extLst>
+          </p:cNvPr>
+          <p:cNvSpPr>
+            <a:spLocks noGrp="1"/>
+          </p:cNvSpPr>
+          <p:nvPr>
+            <p:ph type="title"/>
+          </p:nvPr>
+        </p:nvSpPr>
+        <p:spPr>
+          <a:xfrm>
+            <a:off x="485835" y="200025"/>
+            <a:ext cx="5138700" cy="857400"/>
+          </a:xfrm>
+        </p:spPr>
+        <p:txBody>
+          <a:bodyPr/>
+          <a:lstStyle/>
+          <a:p>
+            <a:r>
+              <a:rPr lang="en-GB" dirty="0"/>
+              <a:t>Text to features?</a:t>
+            </a:r>
+          </a:p>
+        </p:txBody>
+      </p:sp>
+      <p:sp>
+        <p:nvSpPr>
+          <p:cNvPr id="4" name="Text Placeholder 3">
+            <a:extLst>
+              <a:ext uri="{FF2B5EF4-FFF2-40B4-BE49-F238E27FC236}">
+                <a16:creationId xmlns:a16="http://schemas.microsoft.com/office/drawing/2014/main" id="{75D28293-A75C-4412-9D69-8F2D4A876E8F}"/>
+              </a:ext>
+            </a:extLst>
+          </p:cNvPr>
+          <p:cNvSpPr>
+            <a:spLocks noGrp="1"/>
+          </p:cNvSpPr>
+          <p:nvPr>
+            <p:ph type="body" idx="1"/>
+          </p:nvPr>
+        </p:nvSpPr>
+        <p:spPr>
+          <a:xfrm>
+            <a:off x="485835" y="1133475"/>
+            <a:ext cx="5138700" cy="3180900"/>
+          </a:xfrm>
+        </p:spPr>
+        <p:txBody>
+          <a:bodyPr/>
+          <a:lstStyle/>
+          <a:p>
+            <a:r>
+              <a:rPr lang="en-GB" dirty="0"/>
+              <a:t>TF-IDF</a:t>
+            </a:r>
+          </a:p>
+          <a:p>
+            <a:pPr lvl="1"/>
+            <a:endParaRPr lang="en-GB" dirty="0"/>
+          </a:p>
+          <a:p>
+            <a:pPr lvl="1"/>
+            <a:endParaRPr lang="en-GB" dirty="0"/>
+          </a:p>
+        </p:txBody>
+      </p:sp>
+      <p:pic>
+        <p:nvPicPr>
+          <p:cNvPr id="5" name="Picture 5" descr="A screenshot of a cell phone&#10;&#10;Description generated with very high confidence">
+            <a:extLst>
+              <a:ext uri="{FF2B5EF4-FFF2-40B4-BE49-F238E27FC236}">
+                <a16:creationId xmlns:a16="http://schemas.microsoft.com/office/drawing/2014/main" id="{8F8CF56D-A350-4734-8236-05F313B4E29F}"/>
+              </a:ext>
+            </a:extLst>
+          </p:cNvPr>
+          <p:cNvPicPr>
+            <a:picLocks noChangeAspect="1"/>
+          </p:cNvPicPr>
+          <p:nvPr/>
+        </p:nvPicPr>
+        <p:blipFill>
+          <a:blip r:embed="rId2"/>
+          <a:stretch>
+            <a:fillRect/>
+          </a:stretch>
+        </p:blipFill>
+        <p:spPr>
+          <a:xfrm>
+            <a:off x="866882" y="1905000"/>
+            <a:ext cx="4293714" cy="2695811"/>
+          </a:xfrm>
+          <a:prstGeom prst="rect">
+            <a:avLst/>
+          </a:prstGeom>
+        </p:spPr>
+      </p:pic>
+    </p:spTree>
+    <p:extLst>
+      <p:ext uri="{BB962C8B-B14F-4D97-AF65-F5344CB8AC3E}">
+        <p14:creationId xmlns:p14="http://schemas.microsoft.com/office/powerpoint/2010/main" val="4021234023"/>
+      </p:ext>
+    </p:extLst>
+  </p:cSld>
+  <p:clrMapOvr>
+    <a:masterClrMapping/>
+  </p:clrMapOvr>
+</p:sld>
+</file>
+
+<file path=ppt/slides/slide6.xml><?xml version="1.0" encoding="utf-8"?>
 <p:sld xmlns:a="http://schemas.openxmlformats.org/drawingml/2006/main" xmlns:r="http://schemas.openxmlformats.org/officeDocument/2006/relationships" xmlns:p="http://schemas.openxmlformats.org/presentationml/2006/main">
   <p:cSld>
     <p:spTree>
@@ -18459,7 +19384,7 @@
         </p:nvSpPr>
         <p:spPr>
           <a:xfrm>
-            <a:off x="523037" y="440671"/>
+            <a:off x="443743" y="47625"/>
             <a:ext cx="5138700" cy="857400"/>
           </a:xfrm>
           <a:prstGeom prst="rect">
@@ -18472,20 +19397,12 @@
           </a:bodyPr>
           <a:lstStyle/>
           <a:p>
-            <a:pPr marL="0" lvl="0" indent="0" algn="ctr">
-              <a:spcBef>
-                <a:spcPts val="0"/>
-              </a:spcBef>
-              <a:spcAft>
-                <a:spcPts val="0"/>
-              </a:spcAft>
-              <a:buNone/>
-            </a:pPr>
+            <a:pPr algn="ctr"/>
             <a:r>
-              <a:rPr lang="en-US" sz="6000" dirty="0" smtClean="0"/>
-              <a:t>Algorithms</a:t>
+              <a:rPr lang="en-US" sz="3600" dirty="0"/>
+              <a:t>1. ML Algorithms</a:t>
             </a:r>
-            <a:endParaRPr sz="6000" dirty="0"/>
+            <a:endParaRPr sz="3600" dirty="0"/>
           </a:p>
         </p:txBody>
       </p:sp>
@@ -18525,7 +19442,7 @@
             </a:pPr>
             <a:fld id="{00000000-1234-1234-1234-123412341234}" type="slidenum">
               <a:rPr lang="en"/>
-              <a:t>4</a:t>
+              <a:t>6</a:t>
             </a:fld>
             <a:endParaRPr/>
           </a:p>
@@ -18533,7 +19450,13 @@
       </p:sp>
       <p:sp>
         <p:nvSpPr>
-          <p:cNvPr id="3" name="Text Placeholder 2"/>
+          <p:cNvPr id="4" name="Text Placeholder 3">
+            <a:extLst>
+              <a:ext uri="{FF2B5EF4-FFF2-40B4-BE49-F238E27FC236}">
+                <a16:creationId xmlns:a16="http://schemas.microsoft.com/office/drawing/2014/main" id="{508666A8-0FD8-4A02-8A80-5789A84E9C09}"/>
+              </a:ext>
+            </a:extLst>
+          </p:cNvPr>
           <p:cNvSpPr>
             <a:spLocks noGrp="1"/>
           </p:cNvSpPr>
@@ -18543,8 +19466,8 @@
         </p:nvSpPr>
         <p:spPr>
           <a:xfrm>
-            <a:off x="153619" y="1672300"/>
-            <a:ext cx="5442233" cy="3155100"/>
+            <a:off x="476309" y="908356"/>
+            <a:ext cx="5146873" cy="3154363"/>
           </a:xfrm>
         </p:spPr>
         <p:txBody>
@@ -18552,53 +19475,264 @@
           <a:lstStyle/>
           <a:p>
             <a:r>
-              <a:rPr lang="en-US" dirty="0" smtClean="0"/>
-              <a:t>Naive Bayes</a:t>
+              <a:rPr lang="en-GB" sz="2000" dirty="0"/>
+              <a:t>Classifying users response with 93% accuracy</a:t>
             </a:r>
           </a:p>
           <a:p>
-            <a:endParaRPr lang="en-US" dirty="0" smtClean="0"/>
+            <a:pPr lvl="1"/>
+            <a:r>
+              <a:rPr lang="en-GB" sz="2000" dirty="0"/>
+              <a:t>Naive Bayes x 2</a:t>
+            </a:r>
           </a:p>
           <a:p>
-            <a:endParaRPr lang="en-US" dirty="0" smtClean="0"/>
-          </a:p>
-          <a:p>
+            <a:pPr lvl="1"/>
             <a:r>
-              <a:rPr lang="en-US" dirty="0" smtClean="0"/>
+              <a:rPr lang="en-GB" sz="2000" dirty="0"/>
               <a:t>Logistic Regression</a:t>
             </a:r>
           </a:p>
           <a:p>
-            <a:endParaRPr lang="en-US" dirty="0"/>
+            <a:pPr lvl="1"/>
+            <a:r>
+              <a:rPr lang="en-GB" sz="2000" dirty="0"/>
+              <a:t>Decision Tree</a:t>
+            </a:r>
           </a:p>
           <a:p>
-            <a:endParaRPr lang="en-US" dirty="0" smtClean="0"/>
-          </a:p>
-          <a:p>
-            <a:r>
-              <a:rPr lang="en-US" dirty="0" smtClean="0"/>
-              <a:t>Decision Tree</a:t>
-            </a:r>
-            <a:endParaRPr lang="en-US" dirty="0"/>
+            <a:endParaRPr lang="en-GB" dirty="0"/>
           </a:p>
         </p:txBody>
       </p:sp>
+      <p:pic>
+        <p:nvPicPr>
+          <p:cNvPr id="5" name="Picture 5" descr="A close up of a logo&#10;&#10;Description generated with high confidence">
+            <a:extLst>
+              <a:ext uri="{FF2B5EF4-FFF2-40B4-BE49-F238E27FC236}">
+                <a16:creationId xmlns:a16="http://schemas.microsoft.com/office/drawing/2014/main" id="{159D78F9-0180-479F-8055-8C6A430F49BC}"/>
+              </a:ext>
+            </a:extLst>
+          </p:cNvPr>
+          <p:cNvPicPr>
+            <a:picLocks noChangeAspect="1"/>
+          </p:cNvPicPr>
+          <p:nvPr/>
+        </p:nvPicPr>
+        <p:blipFill>
+          <a:blip r:embed="rId3"/>
+          <a:stretch>
+            <a:fillRect/>
+          </a:stretch>
+        </p:blipFill>
+        <p:spPr>
+          <a:xfrm>
+            <a:off x="444500" y="2633713"/>
+            <a:ext cx="5531762" cy="2343100"/>
+          </a:xfrm>
+          <a:prstGeom prst="rect">
+            <a:avLst/>
+          </a:prstGeom>
+        </p:spPr>
+      </p:pic>
     </p:spTree>
   </p:cSld>
   <p:clrMapOvr>
     <a:masterClrMapping/>
   </p:clrMapOvr>
-  <p:timing>
-    <p:tnLst>
-      <p:par>
-        <p:cTn id="1" dur="indefinite" restart="never" nodeType="tmRoot"/>
-      </p:par>
-    </p:tnLst>
-  </p:timing>
 </p:sld>
 </file>
 
-<file path=ppt/slides/slide5.xml><?xml version="1.0" encoding="utf-8"?>
+<file path=ppt/slides/slide7.xml><?xml version="1.0" encoding="utf-8"?>
+<p:sld xmlns:a="http://schemas.openxmlformats.org/drawingml/2006/main" xmlns:r="http://schemas.openxmlformats.org/officeDocument/2006/relationships" xmlns:p="http://schemas.openxmlformats.org/presentationml/2006/main">
+  <p:cSld>
+    <p:spTree>
+      <p:nvGrpSpPr>
+        <p:cNvPr id="1" name=""/>
+        <p:cNvGrpSpPr/>
+        <p:nvPr/>
+      </p:nvGrpSpPr>
+      <p:grpSpPr>
+        <a:xfrm>
+          <a:off x="0" y="0"/>
+          <a:ext cx="0" cy="0"/>
+          <a:chOff x="0" y="0"/>
+          <a:chExt cx="0" cy="0"/>
+        </a:xfrm>
+      </p:grpSpPr>
+      <p:sp>
+        <p:nvSpPr>
+          <p:cNvPr id="2" name="Slide Number Placeholder 1">
+            <a:extLst>
+              <a:ext uri="{FF2B5EF4-FFF2-40B4-BE49-F238E27FC236}">
+                <a16:creationId xmlns:a16="http://schemas.microsoft.com/office/drawing/2014/main" id="{50F7E698-4EAD-4979-90A7-3C46353D0732}"/>
+              </a:ext>
+            </a:extLst>
+          </p:cNvPr>
+          <p:cNvSpPr>
+            <a:spLocks noGrp="1"/>
+          </p:cNvSpPr>
+          <p:nvPr>
+            <p:ph type="sldNum" idx="12"/>
+          </p:nvPr>
+        </p:nvSpPr>
+        <p:spPr/>
+        <p:txBody>
+          <a:bodyPr/>
+          <a:lstStyle/>
+          <a:p>
+            <a:pPr marL="0" lvl="0" indent="0">
+              <a:spcBef>
+                <a:spcPts val="0"/>
+              </a:spcBef>
+              <a:spcAft>
+                <a:spcPts val="0"/>
+              </a:spcAft>
+              <a:buNone/>
+            </a:pPr>
+            <a:fld id="{00000000-1234-1234-1234-123412341234}" type="slidenum">
+              <a:rPr lang="en"/>
+              <a:t>7</a:t>
+            </a:fld>
+            <a:endParaRPr lang="en"/>
+          </a:p>
+        </p:txBody>
+      </p:sp>
+      <p:sp>
+        <p:nvSpPr>
+          <p:cNvPr id="3" name="Title 2">
+            <a:extLst>
+              <a:ext uri="{FF2B5EF4-FFF2-40B4-BE49-F238E27FC236}">
+                <a16:creationId xmlns:a16="http://schemas.microsoft.com/office/drawing/2014/main" id="{F8E7BA7E-7FE0-4A57-ADF6-D12D17CEF536}"/>
+              </a:ext>
+            </a:extLst>
+          </p:cNvPr>
+          <p:cNvSpPr>
+            <a:spLocks noGrp="1"/>
+          </p:cNvSpPr>
+          <p:nvPr>
+            <p:ph type="title"/>
+          </p:nvPr>
+        </p:nvSpPr>
+        <p:spPr>
+          <a:xfrm>
+            <a:off x="457200" y="361950"/>
+            <a:ext cx="5138700" cy="857400"/>
+          </a:xfrm>
+        </p:spPr>
+        <p:txBody>
+          <a:bodyPr/>
+          <a:lstStyle/>
+          <a:p>
+            <a:r>
+              <a:rPr lang="en-GB" dirty="0"/>
+              <a:t>2. ML Algorithms</a:t>
+            </a:r>
+            <a:endParaRPr lang="en-GB" dirty="0" err="1"/>
+          </a:p>
+        </p:txBody>
+      </p:sp>
+      <p:sp>
+        <p:nvSpPr>
+          <p:cNvPr id="4" name="Text Placeholder 3">
+            <a:extLst>
+              <a:ext uri="{FF2B5EF4-FFF2-40B4-BE49-F238E27FC236}">
+                <a16:creationId xmlns:a16="http://schemas.microsoft.com/office/drawing/2014/main" id="{25DF92EA-01DE-4272-A838-874890F3AB19}"/>
+              </a:ext>
+            </a:extLst>
+          </p:cNvPr>
+          <p:cNvSpPr>
+            <a:spLocks noGrp="1"/>
+          </p:cNvSpPr>
+          <p:nvPr>
+            <p:ph type="body" idx="1"/>
+          </p:nvPr>
+        </p:nvSpPr>
+        <p:spPr>
+          <a:xfrm>
+            <a:off x="457200" y="1222681"/>
+            <a:ext cx="5138700" cy="3180900"/>
+          </a:xfrm>
+        </p:spPr>
+        <p:txBody>
+          <a:bodyPr/>
+          <a:lstStyle/>
+          <a:p>
+            <a:pPr indent="-342900"/>
+            <a:r>
+              <a:rPr lang="en-GB" dirty="0"/>
+              <a:t>Topic recognition</a:t>
+            </a:r>
+            <a:endParaRPr lang="en-US" dirty="0"/>
+          </a:p>
+          <a:p>
+            <a:pPr lvl="1" indent="-342900"/>
+            <a:r>
+              <a:rPr lang="en-GB" dirty="0"/>
+              <a:t>Named Entity Recognition (NLTK)</a:t>
+            </a:r>
+            <a:endParaRPr lang="en-US" dirty="0"/>
+          </a:p>
+          <a:p>
+            <a:pPr lvl="1" indent="-342900"/>
+            <a:r>
+              <a:rPr lang="en-GB" dirty="0"/>
+              <a:t>Ensemble models (</a:t>
+            </a:r>
+            <a:r>
+              <a:rPr lang="en-GB" dirty="0" err="1"/>
+              <a:t>eg</a:t>
+            </a:r>
+            <a:r>
+              <a:rPr lang="en-GB" dirty="0"/>
+              <a:t>. </a:t>
+            </a:r>
+            <a:r>
+              <a:rPr lang="en-GB" dirty="0" err="1"/>
+              <a:t>RandomForest</a:t>
+            </a:r>
+            <a:r>
+              <a:rPr lang="en-GB" dirty="0"/>
+              <a:t>)</a:t>
+            </a:r>
+            <a:endParaRPr lang="en-US" dirty="0"/>
+          </a:p>
+          <a:p>
+            <a:pPr indent="-342900"/>
+            <a:r>
+              <a:rPr lang="en-GB" dirty="0"/>
+              <a:t>Text summarization algorithm</a:t>
+            </a:r>
+            <a:endParaRPr lang="en-US" dirty="0"/>
+          </a:p>
+          <a:p>
+            <a:pPr indent="-342900"/>
+            <a:r>
+              <a:rPr lang="en-GB" dirty="0"/>
+              <a:t>Elasticsearch service for recommendation engine</a:t>
+            </a:r>
+            <a:endParaRPr lang="en-GB" dirty="0">
+              <a:solidFill>
+                <a:schemeClr val="tx1"/>
+              </a:solidFill>
+            </a:endParaRPr>
+          </a:p>
+        </p:txBody>
+      </p:sp>
+    </p:spTree>
+    <p:extLst>
+      <p:ext uri="{BB962C8B-B14F-4D97-AF65-F5344CB8AC3E}">
+        <p14:creationId xmlns:p14="http://schemas.microsoft.com/office/powerpoint/2010/main" val="2126911503"/>
+      </p:ext>
+    </p:extLst>
+  </p:cSld>
+  <p:clrMapOvr>
+    <a:masterClrMapping/>
+  </p:clrMapOvr>
+</p:sld>
+</file>
+
+<file path=ppt/slides/slide8.xml><?xml version="1.0" encoding="utf-8"?>
 <p:sld xmlns:a="http://schemas.openxmlformats.org/drawingml/2006/main" xmlns:r="http://schemas.openxmlformats.org/officeDocument/2006/relationships" xmlns:p="http://schemas.openxmlformats.org/presentationml/2006/main">
   <p:cSld>
     <p:spTree>
@@ -18651,7 +19785,7 @@
             </a:pPr>
             <a:fld id="{00000000-1234-1234-1234-123412341234}" type="slidenum">
               <a:rPr lang="en"/>
-              <a:t>5</a:t>
+              <a:t>8</a:t>
             </a:fld>
             <a:endParaRPr/>
           </a:p>
@@ -18688,7 +19822,7 @@
           <a:p>
             <a:pPr algn="ctr"/>
             <a:r>
-              <a:rPr lang="en-US" sz="13800" b="0" cap="none" spc="0" dirty="0" smtClean="0">
+              <a:rPr lang="en-US" sz="13800" b="0" cap="none" spc="0" dirty="0">
                 <a:ln w="0"/>
                 <a:solidFill>
                   <a:schemeClr val="accent1"/>
@@ -18703,19 +19837,6 @@
               </a:rPr>
               <a:t>DEMO</a:t>
             </a:r>
-            <a:endParaRPr lang="en-US" sz="13800" b="0" cap="none" spc="0" dirty="0">
-              <a:ln w="0"/>
-              <a:solidFill>
-                <a:schemeClr val="accent1"/>
-              </a:solidFill>
-              <a:effectLst>
-                <a:outerShdw blurRad="38100" dist="25400" dir="5400000" algn="ctr" rotWithShape="0">
-                  <a:srgbClr val="6E747A">
-                    <a:alpha val="43000"/>
-                  </a:srgbClr>
-                </a:outerShdw>
-              </a:effectLst>
-            </a:endParaRPr>
           </a:p>
         </p:txBody>
       </p:sp>
@@ -18729,22 +19850,15 @@
   <p:clrMapOvr>
     <a:masterClrMapping/>
   </p:clrMapOvr>
-  <p:timing>
-    <p:tnLst>
-      <p:par>
-        <p:cTn id="1" dur="indefinite" restart="never" nodeType="tmRoot"/>
-      </p:par>
-    </p:tnLst>
-  </p:timing>
 </p:sld>
 </file>
 
-<file path=ppt/slides/slide6.xml><?xml version="1.0" encoding="utf-8"?>
+<file path=ppt/slides/slide9.xml><?xml version="1.0" encoding="utf-8"?>
 <p:sld xmlns:a="http://schemas.openxmlformats.org/drawingml/2006/main" xmlns:r="http://schemas.openxmlformats.org/officeDocument/2006/relationships" xmlns:p="http://schemas.openxmlformats.org/presentationml/2006/main">
   <p:cSld>
     <p:spTree>
       <p:nvGrpSpPr>
-        <p:cNvPr id="1" name="Shape 298"/>
+        <p:cNvPr id="1" name=""/>
         <p:cNvGrpSpPr/>
         <p:nvPr/>
       </p:nvGrpSpPr>
@@ -18758,308 +19872,162 @@
       </p:grpSpPr>
       <p:sp>
         <p:nvSpPr>
-          <p:cNvPr id="300" name="Shape 300"/>
-          <p:cNvSpPr txBox="1">
+          <p:cNvPr id="2" name="Slide Number Placeholder 1">
+            <a:extLst>
+              <a:ext uri="{FF2B5EF4-FFF2-40B4-BE49-F238E27FC236}">
+                <a16:creationId xmlns:a16="http://schemas.microsoft.com/office/drawing/2014/main" id="{EF936130-4E91-4D38-BC86-F4153E018BF2}"/>
+              </a:ext>
+            </a:extLst>
+          </p:cNvPr>
+          <p:cNvSpPr>
+            <a:spLocks noGrp="1"/>
+          </p:cNvSpPr>
+          <p:nvPr>
+            <p:ph type="sldNum" idx="12"/>
+          </p:nvPr>
+        </p:nvSpPr>
+        <p:spPr/>
+        <p:txBody>
+          <a:bodyPr/>
+          <a:lstStyle/>
+          <a:p>
+            <a:pPr marL="0" lvl="0" indent="0">
+              <a:spcBef>
+                <a:spcPts val="0"/>
+              </a:spcBef>
+              <a:spcAft>
+                <a:spcPts val="0"/>
+              </a:spcAft>
+              <a:buNone/>
+            </a:pPr>
+            <a:fld id="{00000000-1234-1234-1234-123412341234}" type="slidenum">
+              <a:rPr lang="en"/>
+              <a:t>9</a:t>
+            </a:fld>
+            <a:endParaRPr lang="en"/>
+          </a:p>
+        </p:txBody>
+      </p:sp>
+      <p:sp>
+        <p:nvSpPr>
+          <p:cNvPr id="3" name="Title 2">
+            <a:extLst>
+              <a:ext uri="{FF2B5EF4-FFF2-40B4-BE49-F238E27FC236}">
+                <a16:creationId xmlns:a16="http://schemas.microsoft.com/office/drawing/2014/main" id="{CF1E30BF-7D4D-43DE-9D1C-92332A0E7C6F}"/>
+              </a:ext>
+            </a:extLst>
+          </p:cNvPr>
+          <p:cNvSpPr>
             <a:spLocks noGrp="1"/>
           </p:cNvSpPr>
           <p:nvPr>
             <p:ph type="title"/>
           </p:nvPr>
         </p:nvSpPr>
-        <p:spPr>
-          <a:xfrm>
-            <a:off x="523037" y="440671"/>
-            <a:ext cx="5138700" cy="857400"/>
-          </a:xfrm>
-          <a:prstGeom prst="rect">
-            <a:avLst/>
-          </a:prstGeom>
-        </p:spPr>
+        <p:spPr/>
         <p:txBody>
-          <a:bodyPr spcFirstLastPara="1" wrap="square" lIns="91425" tIns="91425" rIns="91425" bIns="91425" anchor="b" anchorCtr="0">
-            <a:noAutofit/>
-          </a:bodyPr>
+          <a:bodyPr/>
           <a:lstStyle/>
           <a:p>
-            <a:pPr marL="0" lvl="0" indent="0" algn="ctr">
-              <a:spcBef>
-                <a:spcPts val="0"/>
-              </a:spcBef>
-              <a:spcAft>
-                <a:spcPts val="0"/>
-              </a:spcAft>
-              <a:buNone/>
-            </a:pPr>
             <a:r>
-              <a:rPr lang="en-US" sz="6000" dirty="0" smtClean="0"/>
-              <a:t>Future Plans</a:t>
+              <a:rPr lang="en-GB" sz="3600" dirty="0"/>
+              <a:t>About us</a:t>
             </a:r>
-            <a:endParaRPr sz="6000" dirty="0"/>
           </a:p>
         </p:txBody>
       </p:sp>
       <p:sp>
         <p:nvSpPr>
-          <p:cNvPr id="302" name="Shape 302"/>
-          <p:cNvSpPr txBox="1">
-            <a:spLocks noGrp="1"/>
-          </p:cNvSpPr>
-          <p:nvPr>
-            <p:ph type="sldNum" idx="12"/>
-          </p:nvPr>
-        </p:nvSpPr>
-        <p:spPr>
-          <a:xfrm>
-            <a:off x="8808000" y="2208175"/>
-            <a:ext cx="336000" cy="727200"/>
-          </a:xfrm>
-          <a:prstGeom prst="rect">
-            <a:avLst/>
-          </a:prstGeom>
-        </p:spPr>
-        <p:txBody>
-          <a:bodyPr spcFirstLastPara="1" wrap="square" lIns="91425" tIns="91425" rIns="91425" bIns="91425" anchor="ctr" anchorCtr="0">
-            <a:noAutofit/>
-          </a:bodyPr>
-          <a:lstStyle/>
-          <a:p>
-            <a:pPr marL="0" lvl="0" indent="0">
-              <a:spcBef>
-                <a:spcPts val="0"/>
-              </a:spcBef>
-              <a:spcAft>
-                <a:spcPts val="0"/>
-              </a:spcAft>
-              <a:buNone/>
-            </a:pPr>
-            <a:fld id="{00000000-1234-1234-1234-123412341234}" type="slidenum">
-              <a:rPr lang="en"/>
-              <a:t>6</a:t>
-            </a:fld>
-            <a:endParaRPr/>
-          </a:p>
-        </p:txBody>
-      </p:sp>
-      <p:sp>
-        <p:nvSpPr>
-          <p:cNvPr id="3" name="Text Placeholder 2"/>
+          <p:cNvPr id="4" name="Text Placeholder 3">
+            <a:extLst>
+              <a:ext uri="{FF2B5EF4-FFF2-40B4-BE49-F238E27FC236}">
+                <a16:creationId xmlns:a16="http://schemas.microsoft.com/office/drawing/2014/main" id="{D7B994C6-5870-47EA-90AB-550F1819A594}"/>
+              </a:ext>
+            </a:extLst>
+          </p:cNvPr>
           <p:cNvSpPr>
             <a:spLocks noGrp="1"/>
           </p:cNvSpPr>
           <p:nvPr>
-            <p:ph type="body" idx="2"/>
+            <p:ph type="body" idx="1"/>
           </p:nvPr>
         </p:nvSpPr>
-        <p:spPr>
-          <a:xfrm>
-            <a:off x="153619" y="1672300"/>
-            <a:ext cx="5442233" cy="3155100"/>
-          </a:xfrm>
-        </p:spPr>
+        <p:spPr/>
         <p:txBody>
           <a:bodyPr/>
           <a:lstStyle/>
           <a:p>
             <a:r>
-              <a:rPr lang="en-US" dirty="0" smtClean="0"/>
-              <a:t>More subjects</a:t>
+              <a:rPr lang="en-GB" dirty="0"/>
+              <a:t>Victor </a:t>
+            </a:r>
+            <a:r>
+              <a:rPr lang="en-GB" dirty="0" err="1"/>
+              <a:t>Velev</a:t>
+            </a:r>
+            <a:r>
+              <a:rPr lang="en-GB" dirty="0"/>
+              <a:t> – ML</a:t>
             </a:r>
           </a:p>
           <a:p>
-            <a:endParaRPr lang="en-US" dirty="0" smtClean="0"/>
+            <a:r>
+              <a:rPr lang="en-GB" dirty="0"/>
+              <a:t>Anton </a:t>
+            </a:r>
+            <a:r>
+              <a:rPr lang="en-GB" dirty="0" err="1"/>
+              <a:t>Yanchev</a:t>
+            </a:r>
+            <a:r>
+              <a:rPr lang="en-GB" dirty="0"/>
+              <a:t> – ML and UI</a:t>
+            </a:r>
           </a:p>
           <a:p>
             <a:r>
-              <a:rPr lang="en-US" dirty="0" smtClean="0"/>
-              <a:t>Add other sources</a:t>
+              <a:rPr lang="en-GB" dirty="0" err="1"/>
+              <a:t>Samuil</a:t>
             </a:r>
-            <a:endParaRPr lang="en-US" dirty="0"/>
-          </a:p>
-          <a:p>
-            <a:endParaRPr lang="en-US" dirty="0" smtClean="0"/>
+            <a:r>
+              <a:rPr lang="en-GB" dirty="0"/>
+              <a:t> </a:t>
+            </a:r>
+            <a:r>
+              <a:rPr lang="en-GB" dirty="0" err="1"/>
+              <a:t>Georgiev</a:t>
+            </a:r>
+            <a:r>
+              <a:rPr lang="en-GB" dirty="0"/>
+              <a:t> – UI and functionality</a:t>
+            </a:r>
           </a:p>
           <a:p>
             <a:r>
-              <a:rPr lang="en-US" dirty="0" smtClean="0"/>
-              <a:t>More detailed information</a:t>
+              <a:rPr lang="en-GB" dirty="0"/>
+              <a:t>Georgi </a:t>
             </a:r>
-            <a:endParaRPr lang="en-US" dirty="0"/>
+            <a:r>
+              <a:rPr lang="en-GB" dirty="0" err="1"/>
+              <a:t>Lubenov</a:t>
+            </a:r>
+            <a:r>
+              <a:rPr lang="en-GB" dirty="0"/>
+              <a:t> – UI and functionality</a:t>
+            </a:r>
           </a:p>
         </p:txBody>
       </p:sp>
     </p:spTree>
     <p:extLst>
       <p:ext uri="{BB962C8B-B14F-4D97-AF65-F5344CB8AC3E}">
-        <p14:creationId xmlns:p14="http://schemas.microsoft.com/office/powerpoint/2010/main" val="358449831"/>
+        <p14:creationId xmlns:p14="http://schemas.microsoft.com/office/powerpoint/2010/main" val="1436208818"/>
       </p:ext>
     </p:extLst>
   </p:cSld>
   <p:clrMapOvr>
     <a:masterClrMapping/>
   </p:clrMapOvr>
-  <p:timing>
-    <p:tnLst>
-      <p:par>
-        <p:cTn id="1" dur="indefinite" restart="never" nodeType="tmRoot"/>
-      </p:par>
-    </p:tnLst>
-  </p:timing>
-</p:sld>
-</file>
-
-<file path=ppt/slides/slide7.xml><?xml version="1.0" encoding="utf-8"?>
-<p:sld xmlns:a="http://schemas.openxmlformats.org/drawingml/2006/main" xmlns:r="http://schemas.openxmlformats.org/officeDocument/2006/relationships" xmlns:p="http://schemas.openxmlformats.org/presentationml/2006/main">
-  <p:cSld>
-    <p:spTree>
-      <p:nvGrpSpPr>
-        <p:cNvPr id="1" name="Shape 298"/>
-        <p:cNvGrpSpPr/>
-        <p:nvPr/>
-      </p:nvGrpSpPr>
-      <p:grpSpPr>
-        <a:xfrm>
-          <a:off x="0" y="0"/>
-          <a:ext cx="0" cy="0"/>
-          <a:chOff x="0" y="0"/>
-          <a:chExt cx="0" cy="0"/>
-        </a:xfrm>
-      </p:grpSpPr>
-      <p:sp>
-        <p:nvSpPr>
-          <p:cNvPr id="302" name="Shape 302"/>
-          <p:cNvSpPr txBox="1">
-            <a:spLocks noGrp="1"/>
-          </p:cNvSpPr>
-          <p:nvPr>
-            <p:ph type="sldNum" idx="12"/>
-          </p:nvPr>
-        </p:nvSpPr>
-        <p:spPr>
-          <a:xfrm>
-            <a:off x="8808000" y="2208175"/>
-            <a:ext cx="336000" cy="727200"/>
-          </a:xfrm>
-          <a:prstGeom prst="rect">
-            <a:avLst/>
-          </a:prstGeom>
-        </p:spPr>
-        <p:txBody>
-          <a:bodyPr spcFirstLastPara="1" wrap="square" lIns="91425" tIns="91425" rIns="91425" bIns="91425" anchor="ctr" anchorCtr="0">
-            <a:noAutofit/>
-          </a:bodyPr>
-          <a:lstStyle/>
-          <a:p>
-            <a:pPr marL="0" lvl="0" indent="0">
-              <a:spcBef>
-                <a:spcPts val="0"/>
-              </a:spcBef>
-              <a:spcAft>
-                <a:spcPts val="0"/>
-              </a:spcAft>
-              <a:buNone/>
-            </a:pPr>
-            <a:fld id="{00000000-1234-1234-1234-123412341234}" type="slidenum">
-              <a:rPr lang="en"/>
-              <a:t>7</a:t>
-            </a:fld>
-            <a:endParaRPr/>
-          </a:p>
-        </p:txBody>
-      </p:sp>
-      <p:sp>
-        <p:nvSpPr>
-          <p:cNvPr id="3" name="Rectangle 2"/>
-          <p:cNvSpPr/>
-          <p:nvPr/>
-        </p:nvSpPr>
-        <p:spPr>
-          <a:xfrm>
-            <a:off x="1680783" y="317311"/>
-            <a:ext cx="2432076" cy="4508927"/>
-          </a:xfrm>
-          <a:prstGeom prst="rect">
-            <a:avLst/>
-          </a:prstGeom>
-          <a:noFill/>
-        </p:spPr>
-        <p:txBody>
-          <a:bodyPr wrap="none" lIns="91440" tIns="45720" rIns="91440" bIns="45720">
-            <a:spAutoFit/>
-          </a:bodyPr>
-          <a:lstStyle/>
-          <a:p>
-            <a:pPr algn="ctr"/>
-            <a:r>
-              <a:rPr lang="en-US" sz="28700" b="1" cap="none" spc="0" dirty="0" smtClean="0">
-                <a:ln w="12700">
-                  <a:solidFill>
-                    <a:schemeClr val="accent1"/>
-                  </a:solidFill>
-                  <a:prstDash val="solid"/>
-                </a:ln>
-                <a:pattFill prst="pct50">
-                  <a:fgClr>
-                    <a:schemeClr val="accent1"/>
-                  </a:fgClr>
-                  <a:bgClr>
-                    <a:schemeClr val="accent1">
-                      <a:lumMod val="20000"/>
-                      <a:lumOff val="80000"/>
-                    </a:schemeClr>
-                  </a:bgClr>
-                </a:pattFill>
-                <a:effectLst>
-                  <a:outerShdw dist="38100" dir="2640000" algn="bl" rotWithShape="0">
-                    <a:schemeClr val="accent1"/>
-                  </a:outerShdw>
-                </a:effectLst>
-              </a:rPr>
-              <a:t>?</a:t>
-            </a:r>
-            <a:endParaRPr lang="en-US" sz="28700" b="1" cap="none" spc="0" dirty="0">
-              <a:ln w="12700">
-                <a:solidFill>
-                  <a:schemeClr val="accent1"/>
-                </a:solidFill>
-                <a:prstDash val="solid"/>
-              </a:ln>
-              <a:pattFill prst="pct50">
-                <a:fgClr>
-                  <a:schemeClr val="accent1"/>
-                </a:fgClr>
-                <a:bgClr>
-                  <a:schemeClr val="accent1">
-                    <a:lumMod val="20000"/>
-                    <a:lumOff val="80000"/>
-                  </a:schemeClr>
-                </a:bgClr>
-              </a:pattFill>
-              <a:effectLst>
-                <a:outerShdw dist="38100" dir="2640000" algn="bl" rotWithShape="0">
-                  <a:schemeClr val="accent1"/>
-                </a:outerShdw>
-              </a:effectLst>
-            </a:endParaRPr>
-          </a:p>
-        </p:txBody>
-      </p:sp>
-    </p:spTree>
-    <p:extLst>
-      <p:ext uri="{BB962C8B-B14F-4D97-AF65-F5344CB8AC3E}">
-        <p14:creationId xmlns:p14="http://schemas.microsoft.com/office/powerpoint/2010/main" val="2242020356"/>
-      </p:ext>
-    </p:extLst>
-  </p:cSld>
-  <p:clrMapOvr>
-    <a:masterClrMapping/>
-  </p:clrMapOvr>
-  <p:timing>
-    <p:tnLst>
-      <p:par>
-        <p:cTn id="1" dur="indefinite" restart="never" nodeType="tmRoot"/>
-      </p:par>
-    </p:tnLst>
-  </p:timing>
 </p:sld>
 </file>
 
